--- a/docs/Арифулин Презентцаия проекта.pptx
+++ b/docs/Арифулин Презентцаия проекта.pptx
@@ -5,7 +5,7 @@
     <p:sldMasterId id="2147483790" r:id="rId1"/>
   </p:sldMasterIdLst>
   <p:notesMasterIdLst>
-    <p:notesMasterId r:id="rId17"/>
+    <p:notesMasterId r:id="rId10"/>
   </p:notesMasterIdLst>
   <p:sldIdLst>
     <p:sldId id="256" r:id="rId2"/>
@@ -16,13 +16,6 @@
     <p:sldId id="269" r:id="rId7"/>
     <p:sldId id="271" r:id="rId8"/>
     <p:sldId id="265" r:id="rId9"/>
-    <p:sldId id="262" r:id="rId10"/>
-    <p:sldId id="258" r:id="rId11"/>
-    <p:sldId id="267" r:id="rId12"/>
-    <p:sldId id="263" r:id="rId13"/>
-    <p:sldId id="264" r:id="rId14"/>
-    <p:sldId id="268" r:id="rId15"/>
-    <p:sldId id="266" r:id="rId16"/>
   </p:sldIdLst>
   <p:sldSz cx="12192000" cy="6858000"/>
   <p:notesSz cx="6858000" cy="9144000"/>
@@ -129,6 +122,146 @@
 </p:presentation>
 </file>
 
+<file path=ppt/ink/ink1.xml><?xml version="1.0" encoding="utf-8"?>
+<inkml:ink xmlns:inkml="http://www.w3.org/2003/InkML">
+  <inkml:definitions>
+    <inkml:context xml:id="ctx0">
+      <inkml:inkSource xml:id="inkSrc0">
+        <inkml:traceFormat>
+          <inkml:channel name="X" type="integer" min="-2.14748E9" max="2.14748E9" units="cm"/>
+          <inkml:channel name="Y" type="integer" min="-2.14748E9" max="2.14748E9" units="cm"/>
+          <inkml:channel name="F" type="integer" max="32767" units="dev"/>
+        </inkml:traceFormat>
+        <inkml:channelProperties>
+          <inkml:channelProperty channel="X" name="resolution" value="1000" units="1/cm"/>
+          <inkml:channelProperty channel="Y" name="resolution" value="1000" units="1/cm"/>
+          <inkml:channelProperty channel="F" name="resolution" value="0" units="1/dev"/>
+        </inkml:channelProperties>
+      </inkml:inkSource>
+      <inkml:timestamp xml:id="ts0" timeString="2022-04-28T12:15:06.647"/>
+    </inkml:context>
+    <inkml:brush xml:id="br0">
+      <inkml:brushProperty name="width" value="0.35" units="cm"/>
+      <inkml:brushProperty name="height" value="0.35" units="cm"/>
+      <inkml:brushProperty name="color" value="#FFFFFF"/>
+    </inkml:brush>
+  </inkml:definitions>
+  <inkml:trace contextRef="#ctx0" brushRef="#br0">0 8 24575,'23'5'0,"-1"-1"0,1-1 0,-1-1 0,1-1 0,43-4 0,-5 2 0,102 11 0,-140-10 0,1 1 0,-1 1 0,25 5 0,-1 8 0,-41-11 0,1-2 0,-1 1 0,1-1 0,0 0 0,-1 0 0,1 0 0,0-1 0,0-1 0,0 1 0,0-1 0,0 0 0,0 0 0,10-2 0,-14 0 0,0 0 0,-1 0 0,1-1 0,0 1 0,-1 0 0,1-1 0,-1 0 0,0 1 0,0-1 0,0 0 0,1-3 0,11-13 0,-2 1-1365</inkml:trace>
+</inkml:ink>
+</file>
+
+<file path=ppt/ink/ink2.xml><?xml version="1.0" encoding="utf-8"?>
+<inkml:ink xmlns:inkml="http://www.w3.org/2003/InkML">
+  <inkml:definitions>
+    <inkml:context xml:id="ctx0">
+      <inkml:inkSource xml:id="inkSrc0">
+        <inkml:traceFormat>
+          <inkml:channel name="X" type="integer" min="-2.14748E9" max="2.14748E9" units="cm"/>
+          <inkml:channel name="Y" type="integer" min="-2.14748E9" max="2.14748E9" units="cm"/>
+          <inkml:channel name="F" type="integer" max="32767" units="dev"/>
+        </inkml:traceFormat>
+        <inkml:channelProperties>
+          <inkml:channelProperty channel="X" name="resolution" value="1000" units="1/cm"/>
+          <inkml:channelProperty channel="Y" name="resolution" value="1000" units="1/cm"/>
+          <inkml:channelProperty channel="F" name="resolution" value="0" units="1/dev"/>
+        </inkml:channelProperties>
+      </inkml:inkSource>
+      <inkml:timestamp xml:id="ts0" timeString="2022-04-28T12:15:11.778"/>
+    </inkml:context>
+    <inkml:brush xml:id="br0">
+      <inkml:brushProperty name="width" value="0.35" units="cm"/>
+      <inkml:brushProperty name="height" value="0.35" units="cm"/>
+      <inkml:brushProperty name="color" value="#FFFFFF"/>
+    </inkml:brush>
+  </inkml:definitions>
+  <inkml:trace contextRef="#ctx0" brushRef="#br0">149 55 24575,'16'-26'0,"-14"23"0,-1-1 0,1 1 0,0 0 0,0 0 0,0 0 0,0 1 0,5-6 0,-6 9 0,-1-1 0,0 0 0,1 1 0,-1-1 0,1 0 0,-1 1 0,1-1 0,-1 1 0,0-1 0,1 0 0,-1 1 0,0-1 0,0 1 0,1-1 0,-1 1 0,0-1 0,0 1 0,0-1 0,1 1 0,-1 0 0,0-1 0,0 1 0,0-1 0,0 1 0,0-1 0,0 1 0,0-1 0,0 1 0,-1 0 0,1-1 0,0 2 0,0 24 0,0-25 0,-3 79 0,39-83 0,83 2 0,1 5 0,142 22 0,-241-23 0,71 8 0,0 3 0,-1 5 0,120 40 0,-41 4 0,-162-58 0,-11-3 0,-21 0 0,-752-37 0,731 31 0,18 3 0,-147-11 0,-173-36 0,333 44 0,16 0 0,25-2 0,-18 4 0,518-87 0,-430 79 0,1 4 0,0 4 0,144 16 0,-82 8 0,-2 7 0,-1 7 0,207 76 0,-356-109 0,1-1 0,0 0 0,0 0 0,1-1 0,-1-1 0,0 1 0,0-2 0,15-1 0,76-18 0,-68 12 0,-6 3 0,-17 4 0,0 0 0,-1-1 0,1 0 0,0-1 0,-1 0 0,1 0 0,-1 0 0,0-1 0,0-1 0,10-6 0,-17 10 0,0 0 0,0 0 0,0 0 0,0 0 0,-1 0 0,1 0 0,0 0 0,0 0 0,-1 0 0,1 0 0,-1-1 0,1 1 0,-1 0 0,1 0 0,-1-1 0,0 1 0,0 0 0,1 0 0,-1-1 0,0 1 0,0 0 0,0-1 0,-1 1 0,1-2 0,-1 1 0,0 0 0,0 0 0,0 0 0,0 0 0,-1 0 0,1 0 0,-1 0 0,1 0 0,-1 0 0,0 1 0,1-1 0,-4-1 0,-6-4 0,1 0 0,-2 1 0,-20-8 0,30 14 0,-55-23 0,-1 4 0,-1 2 0,0 2 0,-101-11 0,118 25 0,-45 3 0,51 1 0,0-3 0,-40-3 0,-46-7 0,-208 12 0,170 3 0,111-5 0,-1-2 0,1-2 0,-86-18 0</inkml:trace>
+</inkml:ink>
+</file>
+
+<file path=ppt/ink/ink3.xml><?xml version="1.0" encoding="utf-8"?>
+<inkml:ink xmlns:inkml="http://www.w3.org/2003/InkML">
+  <inkml:definitions>
+    <inkml:context xml:id="ctx0">
+      <inkml:inkSource xml:id="inkSrc0">
+        <inkml:traceFormat>
+          <inkml:channel name="X" type="integer" min="-2.14748E9" max="2.14748E9" units="cm"/>
+          <inkml:channel name="Y" type="integer" min="-2.14748E9" max="2.14748E9" units="cm"/>
+          <inkml:channel name="F" type="integer" max="32767" units="dev"/>
+        </inkml:traceFormat>
+        <inkml:channelProperties>
+          <inkml:channelProperty channel="X" name="resolution" value="1000" units="1/cm"/>
+          <inkml:channelProperty channel="Y" name="resolution" value="1000" units="1/cm"/>
+          <inkml:channelProperty channel="F" name="resolution" value="0" units="1/dev"/>
+        </inkml:channelProperties>
+      </inkml:inkSource>
+      <inkml:timestamp xml:id="ts0" timeString="2022-04-28T12:16:41.854"/>
+    </inkml:context>
+    <inkml:brush xml:id="br0">
+      <inkml:brushProperty name="width" value="0.35" units="cm"/>
+      <inkml:brushProperty name="height" value="0.35" units="cm"/>
+      <inkml:brushProperty name="color" value="#FFFFFF"/>
+    </inkml:brush>
+  </inkml:definitions>
+  <inkml:trace contextRef="#ctx0" brushRef="#br0">0 0 24575,'0'0'-8191</inkml:trace>
+</inkml:ink>
+</file>
+
+<file path=ppt/ink/ink4.xml><?xml version="1.0" encoding="utf-8"?>
+<inkml:ink xmlns:inkml="http://www.w3.org/2003/InkML">
+  <inkml:definitions>
+    <inkml:context xml:id="ctx0">
+      <inkml:inkSource xml:id="inkSrc0">
+        <inkml:traceFormat>
+          <inkml:channel name="X" type="integer" min="-2.14748E9" max="2.14748E9" units="cm"/>
+          <inkml:channel name="Y" type="integer" min="-2.14748E9" max="2.14748E9" units="cm"/>
+          <inkml:channel name="F" type="integer" max="32767" units="dev"/>
+        </inkml:traceFormat>
+        <inkml:channelProperties>
+          <inkml:channelProperty channel="X" name="resolution" value="1000" units="1/cm"/>
+          <inkml:channelProperty channel="Y" name="resolution" value="1000" units="1/cm"/>
+          <inkml:channelProperty channel="F" name="resolution" value="0" units="1/dev"/>
+        </inkml:channelProperties>
+      </inkml:inkSource>
+      <inkml:timestamp xml:id="ts0" timeString="2022-04-28T12:16:46.473"/>
+    </inkml:context>
+    <inkml:brush xml:id="br0">
+      <inkml:brushProperty name="width" value="0.35" units="cm"/>
+      <inkml:brushProperty name="height" value="0.35" units="cm"/>
+      <inkml:brushProperty name="color" value="#FFFFFF"/>
+    </inkml:brush>
+  </inkml:definitions>
+  <inkml:trace contextRef="#ctx0" brushRef="#br0">0 55 24575,'42'-1'0,"0"2"0,0 2 0,52 11 0,-40-5 0,0-3 0,1-2 0,84-5 0,-50 0 0,-69 0 0,37-7 0,19-1 0,686 10 0,-728-3 0,0-1 0,39-9 0,-39 5 0,-1 2 0,48-1 0,-10 5 0,-1-3 0,90-18 0,-112 16 0,1 3 0,81 4 0,-41 1 0,442-2-1365</inkml:trace>
+</inkml:ink>
+</file>
+
+<file path=ppt/ink/ink5.xml><?xml version="1.0" encoding="utf-8"?>
+<inkml:ink xmlns:inkml="http://www.w3.org/2003/InkML">
+  <inkml:definitions>
+    <inkml:context xml:id="ctx0">
+      <inkml:inkSource xml:id="inkSrc0">
+        <inkml:traceFormat>
+          <inkml:channel name="X" type="integer" min="-2.14748E9" max="2.14748E9" units="cm"/>
+          <inkml:channel name="Y" type="integer" min="-2.14748E9" max="2.14748E9" units="cm"/>
+          <inkml:channel name="F" type="integer" max="32767" units="dev"/>
+        </inkml:traceFormat>
+        <inkml:channelProperties>
+          <inkml:channelProperty channel="X" name="resolution" value="1000" units="1/cm"/>
+          <inkml:channelProperty channel="Y" name="resolution" value="1000" units="1/cm"/>
+          <inkml:channelProperty channel="F" name="resolution" value="0" units="1/dev"/>
+        </inkml:channelProperties>
+      </inkml:inkSource>
+      <inkml:timestamp xml:id="ts0" timeString="2022-04-28T12:16:47.732"/>
+    </inkml:context>
+    <inkml:brush xml:id="br0">
+      <inkml:brushProperty name="width" value="0.35" units="cm"/>
+      <inkml:brushProperty name="height" value="0.35" units="cm"/>
+      <inkml:brushProperty name="color" value="#FFFFFF"/>
+    </inkml:brush>
+  </inkml:definitions>
+  <inkml:trace contextRef="#ctx0" brushRef="#br0">1 0 24575,'0'0'-8191</inkml:trace>
+</inkml:ink>
+</file>
+
 <file path=ppt/notesMasters/notesMaster1.xml><?xml version="1.0" encoding="utf-8"?>
 <p:notesMaster xmlns:a="http://schemas.openxmlformats.org/drawingml/2006/main" xmlns:r="http://schemas.openxmlformats.org/officeDocument/2006/relationships" xmlns:p="http://schemas.openxmlformats.org/presentationml/2006/main">
   <p:cSld>
@@ -211,7 +344,7 @@
           <a:p>
             <a:fld id="{665E96EF-6FE4-49D5-9720-6490FD2E7C9A}" type="datetimeFigureOut">
               <a:rPr lang="ru-RU" smtClean="0"/>
-              <a:t>31.03.2022</a:t>
+              <a:t>28.04.2022</a:t>
             </a:fld>
             <a:endParaRPr lang="ru-RU"/>
           </a:p>
@@ -788,7 +921,7 @@
           <a:p>
             <a:fld id="{2C649F8D-14E4-4ACE-9381-107D83072F06}" type="datetimeFigureOut">
               <a:rPr lang="ru-RU" smtClean="0"/>
-              <a:t>31.03.2022</a:t>
+              <a:t>28.04.2022</a:t>
             </a:fld>
             <a:endParaRPr lang="ru-RU"/>
           </a:p>
@@ -996,7 +1129,7 @@
           <a:p>
             <a:fld id="{2C649F8D-14E4-4ACE-9381-107D83072F06}" type="datetimeFigureOut">
               <a:rPr lang="ru-RU" smtClean="0"/>
-              <a:t>31.03.2022</a:t>
+              <a:t>28.04.2022</a:t>
             </a:fld>
             <a:endParaRPr lang="ru-RU"/>
           </a:p>
@@ -1252,7 +1385,7 @@
           <a:p>
             <a:fld id="{2C649F8D-14E4-4ACE-9381-107D83072F06}" type="datetimeFigureOut">
               <a:rPr lang="ru-RU" smtClean="0"/>
-              <a:t>31.03.2022</a:t>
+              <a:t>28.04.2022</a:t>
             </a:fld>
             <a:endParaRPr lang="ru-RU"/>
           </a:p>
@@ -1422,7 +1555,7 @@
           <a:p>
             <a:fld id="{2C649F8D-14E4-4ACE-9381-107D83072F06}" type="datetimeFigureOut">
               <a:rPr lang="ru-RU" smtClean="0"/>
-              <a:t>31.03.2022</a:t>
+              <a:t>28.04.2022</a:t>
             </a:fld>
             <a:endParaRPr lang="ru-RU"/>
           </a:p>
@@ -1765,7 +1898,7 @@
           <a:p>
             <a:fld id="{2C649F8D-14E4-4ACE-9381-107D83072F06}" type="datetimeFigureOut">
               <a:rPr lang="ru-RU" smtClean="0"/>
-              <a:t>31.03.2022</a:t>
+              <a:t>28.04.2022</a:t>
             </a:fld>
             <a:endParaRPr lang="ru-RU"/>
           </a:p>
@@ -2040,7 +2173,7 @@
           <a:p>
             <a:fld id="{2C649F8D-14E4-4ACE-9381-107D83072F06}" type="datetimeFigureOut">
               <a:rPr lang="ru-RU" smtClean="0"/>
-              <a:t>31.03.2022</a:t>
+              <a:t>28.04.2022</a:t>
             </a:fld>
             <a:endParaRPr lang="ru-RU"/>
           </a:p>
@@ -2419,7 +2552,7 @@
           <a:p>
             <a:fld id="{2C649F8D-14E4-4ACE-9381-107D83072F06}" type="datetimeFigureOut">
               <a:rPr lang="ru-RU" smtClean="0"/>
-              <a:t>31.03.2022</a:t>
+              <a:t>28.04.2022</a:t>
             </a:fld>
             <a:endParaRPr lang="ru-RU"/>
           </a:p>
@@ -2537,7 +2670,7 @@
           <a:p>
             <a:fld id="{2C649F8D-14E4-4ACE-9381-107D83072F06}" type="datetimeFigureOut">
               <a:rPr lang="ru-RU" smtClean="0"/>
-              <a:t>31.03.2022</a:t>
+              <a:t>28.04.2022</a:t>
             </a:fld>
             <a:endParaRPr lang="ru-RU"/>
           </a:p>
@@ -2708,7 +2841,7 @@
           <a:p>
             <a:fld id="{2C649F8D-14E4-4ACE-9381-107D83072F06}" type="datetimeFigureOut">
               <a:rPr lang="ru-RU" smtClean="0"/>
-              <a:t>31.03.2022</a:t>
+              <a:t>28.04.2022</a:t>
             </a:fld>
             <a:endParaRPr lang="ru-RU"/>
           </a:p>
@@ -3062,7 +3195,7 @@
           <a:p>
             <a:fld id="{2C649F8D-14E4-4ACE-9381-107D83072F06}" type="datetimeFigureOut">
               <a:rPr lang="ru-RU" smtClean="0"/>
-              <a:t>31.03.2022</a:t>
+              <a:t>28.04.2022</a:t>
             </a:fld>
             <a:endParaRPr lang="ru-RU"/>
           </a:p>
@@ -3439,7 +3572,7 @@
           <a:p>
             <a:fld id="{2C649F8D-14E4-4ACE-9381-107D83072F06}" type="datetimeFigureOut">
               <a:rPr lang="ru-RU" smtClean="0"/>
-              <a:t>31.03.2022</a:t>
+              <a:t>28.04.2022</a:t>
             </a:fld>
             <a:endParaRPr lang="ru-RU"/>
           </a:p>
@@ -3726,7 +3859,7 @@
           <a:p>
             <a:fld id="{2C649F8D-14E4-4ACE-9381-107D83072F06}" type="datetimeFigureOut">
               <a:rPr lang="ru-RU" smtClean="0"/>
-              <a:t>31.03.2022</a:t>
+              <a:t>28.04.2022</a:t>
             </a:fld>
             <a:endParaRPr lang="ru-RU"/>
           </a:p>
@@ -4364,2358 +4497,6 @@
 </p:sld>
 </file>
 
-<file path=ppt/slides/slide10.xml><?xml version="1.0" encoding="utf-8"?>
-<p:sld xmlns:a="http://schemas.openxmlformats.org/drawingml/2006/main" xmlns:r="http://schemas.openxmlformats.org/officeDocument/2006/relationships" xmlns:p="http://schemas.openxmlformats.org/presentationml/2006/main">
-  <p:cSld>
-    <p:spTree>
-      <p:nvGrpSpPr>
-        <p:cNvPr id="1" name=""/>
-        <p:cNvGrpSpPr/>
-        <p:nvPr/>
-      </p:nvGrpSpPr>
-      <p:grpSpPr>
-        <a:xfrm>
-          <a:off x="0" y="0"/>
-          <a:ext cx="0" cy="0"/>
-          <a:chOff x="0" y="0"/>
-          <a:chExt cx="0" cy="0"/>
-        </a:xfrm>
-      </p:grpSpPr>
-      <p:sp>
-        <p:nvSpPr>
-          <p:cNvPr id="2" name="Заголовок 1">
-            <a:extLst>
-              <a:ext uri="{FF2B5EF4-FFF2-40B4-BE49-F238E27FC236}">
-                <a16:creationId xmlns:a16="http://schemas.microsoft.com/office/drawing/2014/main" id="{4CE7DC7D-CF5A-4288-8C7D-8034B2D2C8EB}"/>
-              </a:ext>
-            </a:extLst>
-          </p:cNvPr>
-          <p:cNvSpPr>
-            <a:spLocks noGrp="1"/>
-          </p:cNvSpPr>
-          <p:nvPr>
-            <p:ph type="title"/>
-          </p:nvPr>
-        </p:nvSpPr>
-        <p:spPr>
-          <a:xfrm>
-            <a:off x="1097280" y="286603"/>
-            <a:ext cx="10058400" cy="794851"/>
-          </a:xfrm>
-        </p:spPr>
-        <p:txBody>
-          <a:bodyPr/>
-          <a:lstStyle/>
-          <a:p>
-            <a:r>
-              <a:rPr lang="ru-RU" dirty="0"/>
-              <a:t>Архитектура</a:t>
-            </a:r>
-          </a:p>
-        </p:txBody>
-      </p:sp>
-      <p:sp>
-        <p:nvSpPr>
-          <p:cNvPr id="4" name="Прямоугольник 3">
-            <a:extLst>
-              <a:ext uri="{FF2B5EF4-FFF2-40B4-BE49-F238E27FC236}">
-                <a16:creationId xmlns:a16="http://schemas.microsoft.com/office/drawing/2014/main" id="{B453DD33-E701-48BE-A10C-406249185209}"/>
-              </a:ext>
-            </a:extLst>
-          </p:cNvPr>
-          <p:cNvSpPr/>
-          <p:nvPr/>
-        </p:nvSpPr>
-        <p:spPr>
-          <a:xfrm>
-            <a:off x="4241261" y="4745683"/>
-            <a:ext cx="2570817" cy="1450909"/>
-          </a:xfrm>
-          <a:prstGeom prst="rect">
-            <a:avLst/>
-          </a:prstGeom>
-        </p:spPr>
-        <p:style>
-          <a:lnRef idx="2">
-            <a:schemeClr val="accent1">
-              <a:shade val="50000"/>
-            </a:schemeClr>
-          </a:lnRef>
-          <a:fillRef idx="1">
-            <a:schemeClr val="accent1"/>
-          </a:fillRef>
-          <a:effectRef idx="0">
-            <a:schemeClr val="accent1"/>
-          </a:effectRef>
-          <a:fontRef idx="minor">
-            <a:schemeClr val="lt1"/>
-          </a:fontRef>
-        </p:style>
-        <p:txBody>
-          <a:bodyPr rtlCol="0" anchor="ctr"/>
-          <a:lstStyle/>
-          <a:p>
-            <a:pPr algn="ctr"/>
-            <a:r>
-              <a:rPr lang="ru-RU" dirty="0">
-                <a:solidFill>
-                  <a:schemeClr val="bg1"/>
-                </a:solidFill>
-              </a:rPr>
-              <a:t>ПЛАТФОРМА</a:t>
-            </a:r>
-          </a:p>
-        </p:txBody>
-      </p:sp>
-      <p:sp>
-        <p:nvSpPr>
-          <p:cNvPr id="5" name="Овал 4">
-            <a:extLst>
-              <a:ext uri="{FF2B5EF4-FFF2-40B4-BE49-F238E27FC236}">
-                <a16:creationId xmlns:a16="http://schemas.microsoft.com/office/drawing/2014/main" id="{D575A598-5551-4999-828E-B3DBD9EA1504}"/>
-              </a:ext>
-            </a:extLst>
-          </p:cNvPr>
-          <p:cNvSpPr/>
-          <p:nvPr/>
-        </p:nvSpPr>
-        <p:spPr>
-          <a:xfrm>
-            <a:off x="4355129" y="1045017"/>
-            <a:ext cx="2343079" cy="1450757"/>
-          </a:xfrm>
-          <a:prstGeom prst="ellipse">
-            <a:avLst/>
-          </a:prstGeom>
-          <a:ln w="38100">
-            <a:solidFill>
-              <a:schemeClr val="accent5"/>
-            </a:solidFill>
-          </a:ln>
-        </p:spPr>
-        <p:style>
-          <a:lnRef idx="2">
-            <a:schemeClr val="accent1">
-              <a:shade val="50000"/>
-            </a:schemeClr>
-          </a:lnRef>
-          <a:fillRef idx="1">
-            <a:schemeClr val="accent1"/>
-          </a:fillRef>
-          <a:effectRef idx="0">
-            <a:schemeClr val="accent1"/>
-          </a:effectRef>
-          <a:fontRef idx="minor">
-            <a:schemeClr val="lt1"/>
-          </a:fontRef>
-        </p:style>
-        <p:txBody>
-          <a:bodyPr rtlCol="0" anchor="ctr"/>
-          <a:lstStyle/>
-          <a:p>
-            <a:pPr algn="ctr"/>
-            <a:r>
-              <a:rPr lang="ru-RU" dirty="0"/>
-              <a:t>БОТЫ</a:t>
-            </a:r>
-          </a:p>
-          <a:p>
-            <a:pPr algn="ctr"/>
-            <a:r>
-              <a:rPr lang="en-US" dirty="0"/>
-              <a:t>.py .pyw .exe</a:t>
-            </a:r>
-          </a:p>
-          <a:p>
-            <a:pPr algn="ctr"/>
-            <a:r>
-              <a:rPr lang="ru-RU" dirty="0"/>
-              <a:t>Где угодно</a:t>
-            </a:r>
-          </a:p>
-        </p:txBody>
-      </p:sp>
-      <p:sp>
-        <p:nvSpPr>
-          <p:cNvPr id="6" name="Прямоугольник: скругленные углы 5">
-            <a:extLst>
-              <a:ext uri="{FF2B5EF4-FFF2-40B4-BE49-F238E27FC236}">
-                <a16:creationId xmlns:a16="http://schemas.microsoft.com/office/drawing/2014/main" id="{F643DDCC-075B-4F74-A14B-133CE88FBB51}"/>
-              </a:ext>
-            </a:extLst>
-          </p:cNvPr>
-          <p:cNvSpPr/>
-          <p:nvPr/>
-        </p:nvSpPr>
-        <p:spPr>
-          <a:xfrm>
-            <a:off x="196413" y="1175880"/>
-            <a:ext cx="2228779" cy="1067205"/>
-          </a:xfrm>
-          <a:prstGeom prst="roundRect">
-            <a:avLst/>
-          </a:prstGeom>
-          <a:ln w="28575">
-            <a:solidFill>
-              <a:srgbClr val="FF0000"/>
-            </a:solidFill>
-          </a:ln>
-        </p:spPr>
-        <p:style>
-          <a:lnRef idx="2">
-            <a:schemeClr val="accent1">
-              <a:shade val="50000"/>
-            </a:schemeClr>
-          </a:lnRef>
-          <a:fillRef idx="1">
-            <a:schemeClr val="accent1"/>
-          </a:fillRef>
-          <a:effectRef idx="0">
-            <a:schemeClr val="accent1"/>
-          </a:effectRef>
-          <a:fontRef idx="minor">
-            <a:schemeClr val="lt1"/>
-          </a:fontRef>
-        </p:style>
-        <p:txBody>
-          <a:bodyPr rtlCol="0" anchor="ctr"/>
-          <a:lstStyle/>
-          <a:p>
-            <a:pPr algn="ctr"/>
-            <a:endParaRPr lang="en-US" dirty="0"/>
-          </a:p>
-          <a:p>
-            <a:pPr algn="ctr"/>
-            <a:r>
-              <a:rPr lang="ru-RU" dirty="0"/>
-              <a:t>ИГРА</a:t>
-            </a:r>
-            <a:endParaRPr lang="en-US" dirty="0"/>
-          </a:p>
-          <a:p>
-            <a:pPr algn="ctr"/>
-            <a:r>
-              <a:rPr lang="ru-RU" dirty="0"/>
-              <a:t>.</a:t>
-            </a:r>
-            <a:r>
-              <a:rPr lang="en-US" dirty="0"/>
-              <a:t>py</a:t>
-            </a:r>
-            <a:endParaRPr lang="ru-RU" dirty="0"/>
-          </a:p>
-          <a:p>
-            <a:pPr algn="ctr"/>
-            <a:r>
-              <a:rPr lang="en-US" dirty="0"/>
-              <a:t>BotsFight/games</a:t>
-            </a:r>
-            <a:endParaRPr lang="ru-RU" dirty="0"/>
-          </a:p>
-          <a:p>
-            <a:pPr algn="ctr"/>
-            <a:endParaRPr lang="ru-RU" dirty="0"/>
-          </a:p>
-        </p:txBody>
-      </p:sp>
-      <p:sp>
-        <p:nvSpPr>
-          <p:cNvPr id="16" name="Блок-схема: подготовка 15">
-            <a:extLst>
-              <a:ext uri="{FF2B5EF4-FFF2-40B4-BE49-F238E27FC236}">
-                <a16:creationId xmlns:a16="http://schemas.microsoft.com/office/drawing/2014/main" id="{15473030-76B2-44ED-9646-4C1AF5589CEA}"/>
-              </a:ext>
-            </a:extLst>
-          </p:cNvPr>
-          <p:cNvSpPr/>
-          <p:nvPr/>
-        </p:nvSpPr>
-        <p:spPr>
-          <a:xfrm>
-            <a:off x="9731122" y="1175880"/>
-            <a:ext cx="2264465" cy="1142938"/>
-          </a:xfrm>
-          <a:prstGeom prst="flowChartPreparation">
-            <a:avLst/>
-          </a:prstGeom>
-        </p:spPr>
-        <p:style>
-          <a:lnRef idx="2">
-            <a:schemeClr val="accent1">
-              <a:shade val="50000"/>
-            </a:schemeClr>
-          </a:lnRef>
-          <a:fillRef idx="1">
-            <a:schemeClr val="accent1"/>
-          </a:fillRef>
-          <a:effectRef idx="0">
-            <a:schemeClr val="accent1"/>
-          </a:effectRef>
-          <a:fontRef idx="minor">
-            <a:schemeClr val="lt1"/>
-          </a:fontRef>
-        </p:style>
-        <p:txBody>
-          <a:bodyPr rtlCol="0" anchor="ctr"/>
-          <a:lstStyle/>
-          <a:p>
-            <a:pPr algn="ctr"/>
-            <a:r>
-              <a:rPr lang="ru-RU" dirty="0"/>
-              <a:t>ВЫВОД</a:t>
-            </a:r>
-            <a:endParaRPr lang="en-US" dirty="0"/>
-          </a:p>
-          <a:p>
-            <a:pPr algn="ctr"/>
-            <a:r>
-              <a:rPr lang="ru-RU" dirty="0"/>
-              <a:t>Окно программы</a:t>
-            </a:r>
-          </a:p>
-        </p:txBody>
-      </p:sp>
-      <p:cxnSp>
-        <p:nvCxnSpPr>
-          <p:cNvPr id="19" name="Соединитель: уступ 18">
-            <a:extLst>
-              <a:ext uri="{FF2B5EF4-FFF2-40B4-BE49-F238E27FC236}">
-                <a16:creationId xmlns:a16="http://schemas.microsoft.com/office/drawing/2014/main" id="{D8909597-E346-4506-B7BA-D2C07A8EF2FA}"/>
-              </a:ext>
-            </a:extLst>
-          </p:cNvPr>
-          <p:cNvCxnSpPr>
-            <a:cxnSpLocks/>
-          </p:cNvCxnSpPr>
-          <p:nvPr/>
-        </p:nvCxnSpPr>
-        <p:spPr>
-          <a:xfrm>
-            <a:off x="576285" y="2243084"/>
-            <a:ext cx="3669761" cy="3228053"/>
-          </a:xfrm>
-          <a:prstGeom prst="bentConnector3">
-            <a:avLst>
-              <a:gd name="adj1" fmla="val -74"/>
-            </a:avLst>
-          </a:prstGeom>
-          <a:ln w="57150">
-            <a:solidFill>
-              <a:srgbClr val="FF0000"/>
-            </a:solidFill>
-            <a:tailEnd type="triangle"/>
-          </a:ln>
-        </p:spPr>
-        <p:style>
-          <a:lnRef idx="1">
-            <a:schemeClr val="accent1"/>
-          </a:lnRef>
-          <a:fillRef idx="0">
-            <a:schemeClr val="accent1"/>
-          </a:fillRef>
-          <a:effectRef idx="0">
-            <a:schemeClr val="accent1"/>
-          </a:effectRef>
-          <a:fontRef idx="minor">
-            <a:schemeClr val="tx1"/>
-          </a:fontRef>
-        </p:style>
-      </p:cxnSp>
-      <p:cxnSp>
-        <p:nvCxnSpPr>
-          <p:cNvPr id="20" name="Соединитель: уступ 19">
-            <a:extLst>
-              <a:ext uri="{FF2B5EF4-FFF2-40B4-BE49-F238E27FC236}">
-                <a16:creationId xmlns:a16="http://schemas.microsoft.com/office/drawing/2014/main" id="{719B3341-F0D8-40B8-BBBB-A6456E882BB4}"/>
-              </a:ext>
-            </a:extLst>
-          </p:cNvPr>
-          <p:cNvCxnSpPr>
-            <a:cxnSpLocks/>
-          </p:cNvCxnSpPr>
-          <p:nvPr/>
-        </p:nvCxnSpPr>
-        <p:spPr>
-          <a:xfrm rot="10800000">
-            <a:off x="334109" y="2243085"/>
-            <a:ext cx="4560739" cy="3832400"/>
-          </a:xfrm>
-          <a:prstGeom prst="bentConnector3">
-            <a:avLst>
-              <a:gd name="adj1" fmla="val 99931"/>
-            </a:avLst>
-          </a:prstGeom>
-          <a:ln w="57150">
-            <a:solidFill>
-              <a:schemeClr val="accent1"/>
-            </a:solidFill>
-            <a:tailEnd type="triangle"/>
-          </a:ln>
-        </p:spPr>
-        <p:style>
-          <a:lnRef idx="1">
-            <a:schemeClr val="accent1"/>
-          </a:lnRef>
-          <a:fillRef idx="0">
-            <a:schemeClr val="accent1"/>
-          </a:fillRef>
-          <a:effectRef idx="0">
-            <a:schemeClr val="accent1"/>
-          </a:effectRef>
-          <a:fontRef idx="minor">
-            <a:schemeClr val="tx1"/>
-          </a:fontRef>
-        </p:style>
-      </p:cxnSp>
-      <p:sp>
-        <p:nvSpPr>
-          <p:cNvPr id="31" name="TextBox 30">
-            <a:extLst>
-              <a:ext uri="{FF2B5EF4-FFF2-40B4-BE49-F238E27FC236}">
-                <a16:creationId xmlns:a16="http://schemas.microsoft.com/office/drawing/2014/main" id="{D495EE35-BA77-4EAA-A515-3ABEAAA0ACFB}"/>
-              </a:ext>
-            </a:extLst>
-          </p:cNvPr>
-          <p:cNvSpPr txBox="1"/>
-          <p:nvPr/>
-        </p:nvSpPr>
-        <p:spPr>
-          <a:xfrm>
-            <a:off x="1089065" y="5552265"/>
-            <a:ext cx="2649983" cy="523220"/>
-          </a:xfrm>
-          <a:prstGeom prst="rect">
-            <a:avLst/>
-          </a:prstGeom>
-          <a:noFill/>
-        </p:spPr>
-        <p:txBody>
-          <a:bodyPr wrap="square" rtlCol="0">
-            <a:spAutoFit/>
-          </a:bodyPr>
-          <a:lstStyle/>
-          <a:p>
-            <a:r>
-              <a:rPr lang="ru-RU" sz="2800" dirty="0">
-                <a:solidFill>
-                  <a:schemeClr val="accent2">
-                    <a:lumMod val="75000"/>
-                  </a:schemeClr>
-                </a:solidFill>
-              </a:rPr>
-              <a:t>Настройки Игры</a:t>
-            </a:r>
-          </a:p>
-        </p:txBody>
-      </p:sp>
-      <p:sp>
-        <p:nvSpPr>
-          <p:cNvPr id="32" name="TextBox 31">
-            <a:extLst>
-              <a:ext uri="{FF2B5EF4-FFF2-40B4-BE49-F238E27FC236}">
-                <a16:creationId xmlns:a16="http://schemas.microsoft.com/office/drawing/2014/main" id="{31EDC6C7-1608-4F61-8497-E799E37EADBA}"/>
-              </a:ext>
-            </a:extLst>
-          </p:cNvPr>
-          <p:cNvSpPr txBox="1"/>
-          <p:nvPr/>
-        </p:nvSpPr>
-        <p:spPr>
-          <a:xfrm>
-            <a:off x="1056128" y="4982072"/>
-            <a:ext cx="3087174" cy="523220"/>
-          </a:xfrm>
-          <a:prstGeom prst="rect">
-            <a:avLst/>
-          </a:prstGeom>
-          <a:noFill/>
-        </p:spPr>
-        <p:txBody>
-          <a:bodyPr wrap="square" rtlCol="0">
-            <a:spAutoFit/>
-          </a:bodyPr>
-          <a:lstStyle/>
-          <a:p>
-            <a:r>
-              <a:rPr lang="ru-RU" sz="2800" dirty="0">
-                <a:solidFill>
-                  <a:srgbClr val="800000"/>
-                </a:solidFill>
-              </a:rPr>
-              <a:t>Поле </a:t>
-            </a:r>
-            <a:r>
-              <a:rPr lang="en-US" sz="2800" dirty="0">
-                <a:solidFill>
-                  <a:srgbClr val="800000"/>
-                </a:solidFill>
-              </a:rPr>
-              <a:t>| </a:t>
-            </a:r>
-            <a:r>
-              <a:rPr lang="ru-RU" sz="2800" dirty="0">
-                <a:solidFill>
-                  <a:srgbClr val="800000"/>
-                </a:solidFill>
-              </a:rPr>
-              <a:t>Статус игры</a:t>
-            </a:r>
-          </a:p>
-        </p:txBody>
-      </p:sp>
-      <p:cxnSp>
-        <p:nvCxnSpPr>
-          <p:cNvPr id="33" name="Соединитель: уступ 32">
-            <a:extLst>
-              <a:ext uri="{FF2B5EF4-FFF2-40B4-BE49-F238E27FC236}">
-                <a16:creationId xmlns:a16="http://schemas.microsoft.com/office/drawing/2014/main" id="{071C4E3E-B080-4537-A478-F991F3CCAA98}"/>
-              </a:ext>
-            </a:extLst>
-          </p:cNvPr>
-          <p:cNvCxnSpPr>
-            <a:cxnSpLocks/>
-            <a:endCxn id="5" idx="3"/>
-          </p:cNvCxnSpPr>
-          <p:nvPr/>
-        </p:nvCxnSpPr>
-        <p:spPr>
-          <a:xfrm rot="5400000" flipH="1" flipV="1">
-            <a:off x="3250817" y="3298235"/>
-            <a:ext cx="2462367" cy="432530"/>
-          </a:xfrm>
-          <a:prstGeom prst="bentConnector3">
-            <a:avLst>
-              <a:gd name="adj1" fmla="val 50000"/>
-            </a:avLst>
-          </a:prstGeom>
-          <a:ln w="57150">
-            <a:solidFill>
-              <a:schemeClr val="accent1"/>
-            </a:solidFill>
-            <a:tailEnd type="triangle"/>
-          </a:ln>
-        </p:spPr>
-        <p:style>
-          <a:lnRef idx="1">
-            <a:schemeClr val="accent1"/>
-          </a:lnRef>
-          <a:fillRef idx="0">
-            <a:schemeClr val="accent1"/>
-          </a:fillRef>
-          <a:effectRef idx="0">
-            <a:schemeClr val="accent1"/>
-          </a:effectRef>
-          <a:fontRef idx="minor">
-            <a:schemeClr val="tx1"/>
-          </a:fontRef>
-        </p:style>
-      </p:cxnSp>
-      <p:sp>
-        <p:nvSpPr>
-          <p:cNvPr id="44" name="TextBox 43">
-            <a:extLst>
-              <a:ext uri="{FF2B5EF4-FFF2-40B4-BE49-F238E27FC236}">
-                <a16:creationId xmlns:a16="http://schemas.microsoft.com/office/drawing/2014/main" id="{48FAB55F-D061-405B-B3A3-89E2D05B3CD4}"/>
-              </a:ext>
-            </a:extLst>
-          </p:cNvPr>
-          <p:cNvSpPr txBox="1"/>
-          <p:nvPr/>
-        </p:nvSpPr>
-        <p:spPr>
-          <a:xfrm>
-            <a:off x="4293100" y="3530297"/>
-            <a:ext cx="455159" cy="1331450"/>
-          </a:xfrm>
-          <a:prstGeom prst="rect">
-            <a:avLst/>
-          </a:prstGeom>
-          <a:noFill/>
-        </p:spPr>
-        <p:txBody>
-          <a:bodyPr vert="horz" wrap="square" bIns="36000" rtlCol="0">
-            <a:spAutoFit/>
-            <a:scene3d>
-              <a:camera prst="orthographicFront">
-                <a:rot lat="0" lon="0" rev="0"/>
-              </a:camera>
-              <a:lightRig rig="threePt" dir="t"/>
-            </a:scene3d>
-          </a:bodyPr>
-          <a:lstStyle/>
-          <a:p>
-            <a:pPr>
-              <a:lnSpc>
-                <a:spcPts val="2360"/>
-              </a:lnSpc>
-            </a:pPr>
-            <a:r>
-              <a:rPr lang="ru-RU" sz="2800" dirty="0">
-                <a:solidFill>
-                  <a:schemeClr val="accent2">
-                    <a:lumMod val="75000"/>
-                  </a:schemeClr>
-                </a:solidFill>
-              </a:rPr>
-              <a:t>Поле</a:t>
-            </a:r>
-          </a:p>
-        </p:txBody>
-      </p:sp>
-      <p:cxnSp>
-        <p:nvCxnSpPr>
-          <p:cNvPr id="45" name="Соединитель: уступ 44">
-            <a:extLst>
-              <a:ext uri="{FF2B5EF4-FFF2-40B4-BE49-F238E27FC236}">
-                <a16:creationId xmlns:a16="http://schemas.microsoft.com/office/drawing/2014/main" id="{9196F20E-34BE-4595-BDF3-F01E82A809F1}"/>
-              </a:ext>
-            </a:extLst>
-          </p:cNvPr>
-          <p:cNvCxnSpPr>
-            <a:cxnSpLocks/>
-            <a:stCxn id="5" idx="5"/>
-          </p:cNvCxnSpPr>
-          <p:nvPr/>
-        </p:nvCxnSpPr>
-        <p:spPr>
-          <a:xfrm rot="16200000" flipH="1">
-            <a:off x="5323591" y="3314796"/>
-            <a:ext cx="2462366" cy="399405"/>
-          </a:xfrm>
-          <a:prstGeom prst="bentConnector3">
-            <a:avLst>
-              <a:gd name="adj1" fmla="val 50000"/>
-            </a:avLst>
-          </a:prstGeom>
-          <a:ln w="57150">
-            <a:solidFill>
-              <a:srgbClr val="00B050"/>
-            </a:solidFill>
-            <a:tailEnd type="triangle"/>
-          </a:ln>
-        </p:spPr>
-        <p:style>
-          <a:lnRef idx="1">
-            <a:schemeClr val="accent1"/>
-          </a:lnRef>
-          <a:fillRef idx="0">
-            <a:schemeClr val="accent1"/>
-          </a:fillRef>
-          <a:effectRef idx="0">
-            <a:schemeClr val="accent1"/>
-          </a:effectRef>
-          <a:fontRef idx="minor">
-            <a:schemeClr val="tx1"/>
-          </a:fontRef>
-        </p:style>
-      </p:cxnSp>
-      <p:sp>
-        <p:nvSpPr>
-          <p:cNvPr id="48" name="TextBox 47">
-            <a:extLst>
-              <a:ext uri="{FF2B5EF4-FFF2-40B4-BE49-F238E27FC236}">
-                <a16:creationId xmlns:a16="http://schemas.microsoft.com/office/drawing/2014/main" id="{A8D5B330-8404-4579-97AD-C96E161D02CC}"/>
-              </a:ext>
-            </a:extLst>
-          </p:cNvPr>
-          <p:cNvSpPr txBox="1"/>
-          <p:nvPr/>
-        </p:nvSpPr>
-        <p:spPr>
-          <a:xfrm>
-            <a:off x="6410252" y="2337907"/>
-            <a:ext cx="356932" cy="1056370"/>
-          </a:xfrm>
-          <a:prstGeom prst="rect">
-            <a:avLst/>
-          </a:prstGeom>
-          <a:noFill/>
-        </p:spPr>
-        <p:txBody>
-          <a:bodyPr vert="horz" wrap="square" bIns="36000" rtlCol="0">
-            <a:spAutoFit/>
-            <a:scene3d>
-              <a:camera prst="orthographicFront">
-                <a:rot lat="0" lon="0" rev="0"/>
-              </a:camera>
-              <a:lightRig rig="threePt" dir="t"/>
-            </a:scene3d>
-          </a:bodyPr>
-          <a:lstStyle/>
-          <a:p>
-            <a:pPr>
-              <a:lnSpc>
-                <a:spcPts val="2360"/>
-              </a:lnSpc>
-            </a:pPr>
-            <a:r>
-              <a:rPr lang="ru-RU" sz="2800" dirty="0">
-                <a:solidFill>
-                  <a:srgbClr val="00B050"/>
-                </a:solidFill>
-              </a:rPr>
-              <a:t>Ход</a:t>
-            </a:r>
-          </a:p>
-        </p:txBody>
-      </p:sp>
-      <p:cxnSp>
-        <p:nvCxnSpPr>
-          <p:cNvPr id="49" name="Соединитель: уступ 48">
-            <a:extLst>
-              <a:ext uri="{FF2B5EF4-FFF2-40B4-BE49-F238E27FC236}">
-                <a16:creationId xmlns:a16="http://schemas.microsoft.com/office/drawing/2014/main" id="{8DB7CE15-8F3F-4DCA-B20C-DEC8A274A2C9}"/>
-              </a:ext>
-            </a:extLst>
-          </p:cNvPr>
-          <p:cNvCxnSpPr>
-            <a:cxnSpLocks/>
-            <a:stCxn id="4" idx="3"/>
-            <a:endCxn id="16" idx="2"/>
-          </p:cNvCxnSpPr>
-          <p:nvPr/>
-        </p:nvCxnSpPr>
-        <p:spPr>
-          <a:xfrm flipV="1">
-            <a:off x="6812078" y="2318818"/>
-            <a:ext cx="4051277" cy="3152320"/>
-          </a:xfrm>
-          <a:prstGeom prst="bentConnector2">
-            <a:avLst/>
-          </a:prstGeom>
-          <a:ln w="57150">
-            <a:solidFill>
-              <a:schemeClr val="accent1"/>
-            </a:solidFill>
-            <a:tailEnd type="triangle"/>
-          </a:ln>
-        </p:spPr>
-        <p:style>
-          <a:lnRef idx="1">
-            <a:schemeClr val="accent1"/>
-          </a:lnRef>
-          <a:fillRef idx="0">
-            <a:schemeClr val="accent1"/>
-          </a:fillRef>
-          <a:effectRef idx="0">
-            <a:schemeClr val="accent1"/>
-          </a:effectRef>
-          <a:fontRef idx="minor">
-            <a:schemeClr val="tx1"/>
-          </a:fontRef>
-        </p:style>
-      </p:cxnSp>
-      <p:sp>
-        <p:nvSpPr>
-          <p:cNvPr id="52" name="TextBox 51">
-            <a:extLst>
-              <a:ext uri="{FF2B5EF4-FFF2-40B4-BE49-F238E27FC236}">
-                <a16:creationId xmlns:a16="http://schemas.microsoft.com/office/drawing/2014/main" id="{14E2B01C-25DE-4F12-ADEB-A4221E46F1F0}"/>
-              </a:ext>
-            </a:extLst>
-          </p:cNvPr>
-          <p:cNvSpPr txBox="1"/>
-          <p:nvPr/>
-        </p:nvSpPr>
-        <p:spPr>
-          <a:xfrm>
-            <a:off x="6812079" y="4903794"/>
-            <a:ext cx="3104082" cy="523220"/>
-          </a:xfrm>
-          <a:prstGeom prst="rect">
-            <a:avLst/>
-          </a:prstGeom>
-          <a:noFill/>
-        </p:spPr>
-        <p:txBody>
-          <a:bodyPr wrap="square" rtlCol="0">
-            <a:spAutoFit/>
-          </a:bodyPr>
-          <a:lstStyle/>
-          <a:p>
-            <a:r>
-              <a:rPr lang="ru-RU" sz="2800" dirty="0">
-                <a:solidFill>
-                  <a:schemeClr val="accent2">
-                    <a:lumMod val="75000"/>
-                  </a:schemeClr>
-                </a:solidFill>
-              </a:rPr>
-              <a:t>Поле </a:t>
-            </a:r>
-            <a:r>
-              <a:rPr lang="en-US" sz="2800" dirty="0">
-                <a:solidFill>
-                  <a:schemeClr val="accent2">
-                    <a:lumMod val="75000"/>
-                  </a:schemeClr>
-                </a:solidFill>
-              </a:rPr>
-              <a:t>| </a:t>
-            </a:r>
-            <a:r>
-              <a:rPr lang="ru-RU" sz="2800" dirty="0">
-                <a:solidFill>
-                  <a:schemeClr val="accent2">
-                    <a:lumMod val="75000"/>
-                  </a:schemeClr>
-                </a:solidFill>
-              </a:rPr>
-              <a:t>Статус Игры</a:t>
-            </a:r>
-          </a:p>
-        </p:txBody>
-      </p:sp>
-      <p:cxnSp>
-        <p:nvCxnSpPr>
-          <p:cNvPr id="53" name="Соединитель: уступ 52">
-            <a:extLst>
-              <a:ext uri="{FF2B5EF4-FFF2-40B4-BE49-F238E27FC236}">
-                <a16:creationId xmlns:a16="http://schemas.microsoft.com/office/drawing/2014/main" id="{8A03F5BE-C426-48B5-B168-3FD385C50C3A}"/>
-              </a:ext>
-            </a:extLst>
-          </p:cNvPr>
-          <p:cNvCxnSpPr>
-            <a:cxnSpLocks/>
-          </p:cNvCxnSpPr>
-          <p:nvPr/>
-        </p:nvCxnSpPr>
-        <p:spPr>
-          <a:xfrm rot="10800000" flipV="1">
-            <a:off x="6824786" y="2318818"/>
-            <a:ext cx="4574734" cy="3739526"/>
-          </a:xfrm>
-          <a:prstGeom prst="bentConnector3">
-            <a:avLst>
-              <a:gd name="adj1" fmla="val 30"/>
-            </a:avLst>
-          </a:prstGeom>
-          <a:ln w="57150">
-            <a:solidFill>
-              <a:schemeClr val="accent1"/>
-            </a:solidFill>
-            <a:tailEnd type="triangle"/>
-          </a:ln>
-        </p:spPr>
-        <p:style>
-          <a:lnRef idx="1">
-            <a:schemeClr val="accent1"/>
-          </a:lnRef>
-          <a:fillRef idx="0">
-            <a:schemeClr val="accent1"/>
-          </a:fillRef>
-          <a:effectRef idx="0">
-            <a:schemeClr val="accent1"/>
-          </a:effectRef>
-          <a:fontRef idx="minor">
-            <a:schemeClr val="tx1"/>
-          </a:fontRef>
-        </p:style>
-      </p:cxnSp>
-      <p:sp>
-        <p:nvSpPr>
-          <p:cNvPr id="59" name="TextBox 58">
-            <a:extLst>
-              <a:ext uri="{FF2B5EF4-FFF2-40B4-BE49-F238E27FC236}">
-                <a16:creationId xmlns:a16="http://schemas.microsoft.com/office/drawing/2014/main" id="{6339AC66-90EB-4543-9708-58ACE6269CE3}"/>
-              </a:ext>
-            </a:extLst>
-          </p:cNvPr>
-          <p:cNvSpPr txBox="1"/>
-          <p:nvPr/>
-        </p:nvSpPr>
-        <p:spPr>
-          <a:xfrm>
-            <a:off x="6824785" y="5503131"/>
-            <a:ext cx="2917752" cy="523220"/>
-          </a:xfrm>
-          <a:prstGeom prst="rect">
-            <a:avLst/>
-          </a:prstGeom>
-          <a:noFill/>
-        </p:spPr>
-        <p:txBody>
-          <a:bodyPr wrap="square" rtlCol="0">
-            <a:spAutoFit/>
-          </a:bodyPr>
-          <a:lstStyle/>
-          <a:p>
-            <a:r>
-              <a:rPr lang="ru-RU" sz="2800" dirty="0">
-                <a:solidFill>
-                  <a:schemeClr val="accent2">
-                    <a:lumMod val="75000"/>
-                  </a:schemeClr>
-                </a:solidFill>
-              </a:rPr>
-              <a:t>Настройки Игры</a:t>
-            </a:r>
-          </a:p>
-        </p:txBody>
-      </p:sp>
-      <p:sp>
-        <p:nvSpPr>
-          <p:cNvPr id="60" name="Овал 59">
-            <a:extLst>
-              <a:ext uri="{FF2B5EF4-FFF2-40B4-BE49-F238E27FC236}">
-                <a16:creationId xmlns:a16="http://schemas.microsoft.com/office/drawing/2014/main" id="{83B92665-2073-41E9-8A84-CD14EE3AE6A4}"/>
-              </a:ext>
-            </a:extLst>
-          </p:cNvPr>
-          <p:cNvSpPr>
-            <a:spLocks noChangeAspect="1"/>
-          </p:cNvSpPr>
-          <p:nvPr/>
-        </p:nvSpPr>
-        <p:spPr>
-          <a:xfrm>
-            <a:off x="9463259" y="5570768"/>
-            <a:ext cx="452902" cy="452902"/>
-          </a:xfrm>
-          <a:prstGeom prst="ellipse">
-            <a:avLst/>
-          </a:prstGeom>
-          <a:solidFill>
-            <a:schemeClr val="bg1"/>
-          </a:solidFill>
-          <a:ln>
-            <a:solidFill>
-              <a:srgbClr val="7030A0"/>
-            </a:solidFill>
-          </a:ln>
-        </p:spPr>
-        <p:style>
-          <a:lnRef idx="2">
-            <a:schemeClr val="accent1">
-              <a:shade val="50000"/>
-            </a:schemeClr>
-          </a:lnRef>
-          <a:fillRef idx="1">
-            <a:schemeClr val="accent1"/>
-          </a:fillRef>
-          <a:effectRef idx="0">
-            <a:schemeClr val="accent1"/>
-          </a:effectRef>
-          <a:fontRef idx="minor">
-            <a:schemeClr val="lt1"/>
-          </a:fontRef>
-        </p:style>
-        <p:txBody>
-          <a:bodyPr rtlCol="0" anchor="ctr"/>
-          <a:lstStyle/>
-          <a:p>
-            <a:pPr algn="ctr"/>
-            <a:r>
-              <a:rPr lang="ru-RU" sz="3200" dirty="0">
-                <a:solidFill>
-                  <a:schemeClr val="tx1"/>
-                </a:solidFill>
-              </a:rPr>
-              <a:t>1</a:t>
-            </a:r>
-          </a:p>
-        </p:txBody>
-      </p:sp>
-      <p:sp>
-        <p:nvSpPr>
-          <p:cNvPr id="61" name="Овал 60">
-            <a:extLst>
-              <a:ext uri="{FF2B5EF4-FFF2-40B4-BE49-F238E27FC236}">
-                <a16:creationId xmlns:a16="http://schemas.microsoft.com/office/drawing/2014/main" id="{14CBE9A5-3698-4911-8D9F-8A35D8DF8F67}"/>
-              </a:ext>
-            </a:extLst>
-          </p:cNvPr>
-          <p:cNvSpPr>
-            <a:spLocks noChangeAspect="1"/>
-          </p:cNvSpPr>
-          <p:nvPr/>
-        </p:nvSpPr>
-        <p:spPr>
-          <a:xfrm>
-            <a:off x="636162" y="5602311"/>
-            <a:ext cx="452902" cy="452902"/>
-          </a:xfrm>
-          <a:prstGeom prst="ellipse">
-            <a:avLst/>
-          </a:prstGeom>
-          <a:solidFill>
-            <a:schemeClr val="bg1"/>
-          </a:solidFill>
-          <a:ln>
-            <a:solidFill>
-              <a:srgbClr val="7030A0"/>
-            </a:solidFill>
-          </a:ln>
-        </p:spPr>
-        <p:style>
-          <a:lnRef idx="2">
-            <a:schemeClr val="accent1">
-              <a:shade val="50000"/>
-            </a:schemeClr>
-          </a:lnRef>
-          <a:fillRef idx="1">
-            <a:schemeClr val="accent1"/>
-          </a:fillRef>
-          <a:effectRef idx="0">
-            <a:schemeClr val="accent1"/>
-          </a:effectRef>
-          <a:fontRef idx="minor">
-            <a:schemeClr val="lt1"/>
-          </a:fontRef>
-        </p:style>
-        <p:txBody>
-          <a:bodyPr rtlCol="0" anchor="ctr"/>
-          <a:lstStyle/>
-          <a:p>
-            <a:pPr algn="ctr"/>
-            <a:r>
-              <a:rPr lang="ru-RU" sz="3200" dirty="0">
-                <a:solidFill>
-                  <a:schemeClr val="tx1"/>
-                </a:solidFill>
-              </a:rPr>
-              <a:t>2</a:t>
-            </a:r>
-          </a:p>
-        </p:txBody>
-      </p:sp>
-      <p:sp>
-        <p:nvSpPr>
-          <p:cNvPr id="62" name="Овал 61">
-            <a:extLst>
-              <a:ext uri="{FF2B5EF4-FFF2-40B4-BE49-F238E27FC236}">
-                <a16:creationId xmlns:a16="http://schemas.microsoft.com/office/drawing/2014/main" id="{4C885867-1A2C-43A6-A437-A36348E7E856}"/>
-              </a:ext>
-            </a:extLst>
-          </p:cNvPr>
-          <p:cNvSpPr>
-            <a:spLocks noChangeAspect="1"/>
-          </p:cNvSpPr>
-          <p:nvPr/>
-        </p:nvSpPr>
-        <p:spPr>
-          <a:xfrm>
-            <a:off x="658377" y="4982071"/>
-            <a:ext cx="452902" cy="452902"/>
-          </a:xfrm>
-          <a:prstGeom prst="ellipse">
-            <a:avLst/>
-          </a:prstGeom>
-          <a:solidFill>
-            <a:schemeClr val="bg1"/>
-          </a:solidFill>
-          <a:ln>
-            <a:solidFill>
-              <a:srgbClr val="7030A0"/>
-            </a:solidFill>
-          </a:ln>
-        </p:spPr>
-        <p:style>
-          <a:lnRef idx="2">
-            <a:schemeClr val="accent1">
-              <a:shade val="50000"/>
-            </a:schemeClr>
-          </a:lnRef>
-          <a:fillRef idx="1">
-            <a:schemeClr val="accent1"/>
-          </a:fillRef>
-          <a:effectRef idx="0">
-            <a:schemeClr val="accent1"/>
-          </a:effectRef>
-          <a:fontRef idx="minor">
-            <a:schemeClr val="lt1"/>
-          </a:fontRef>
-        </p:style>
-        <p:txBody>
-          <a:bodyPr rtlCol="0" anchor="ctr"/>
-          <a:lstStyle/>
-          <a:p>
-            <a:pPr algn="ctr"/>
-            <a:r>
-              <a:rPr lang="ru-RU" sz="3200" dirty="0">
-                <a:solidFill>
-                  <a:schemeClr val="tx1"/>
-                </a:solidFill>
-              </a:rPr>
-              <a:t>3</a:t>
-            </a:r>
-          </a:p>
-        </p:txBody>
-      </p:sp>
-      <p:sp>
-        <p:nvSpPr>
-          <p:cNvPr id="63" name="Овал 62">
-            <a:extLst>
-              <a:ext uri="{FF2B5EF4-FFF2-40B4-BE49-F238E27FC236}">
-                <a16:creationId xmlns:a16="http://schemas.microsoft.com/office/drawing/2014/main" id="{75F1FAD4-C73D-4D45-857E-ECDF2EAFEA1E}"/>
-              </a:ext>
-            </a:extLst>
-          </p:cNvPr>
-          <p:cNvSpPr>
-            <a:spLocks noChangeAspect="1"/>
-          </p:cNvSpPr>
-          <p:nvPr/>
-        </p:nvSpPr>
-        <p:spPr>
-          <a:xfrm>
-            <a:off x="4153154" y="2941375"/>
-            <a:ext cx="452902" cy="452902"/>
-          </a:xfrm>
-          <a:prstGeom prst="ellipse">
-            <a:avLst/>
-          </a:prstGeom>
-          <a:solidFill>
-            <a:schemeClr val="bg1"/>
-          </a:solidFill>
-          <a:ln>
-            <a:solidFill>
-              <a:srgbClr val="7030A0"/>
-            </a:solidFill>
-          </a:ln>
-        </p:spPr>
-        <p:style>
-          <a:lnRef idx="2">
-            <a:schemeClr val="accent1">
-              <a:shade val="50000"/>
-            </a:schemeClr>
-          </a:lnRef>
-          <a:fillRef idx="1">
-            <a:schemeClr val="accent1"/>
-          </a:fillRef>
-          <a:effectRef idx="0">
-            <a:schemeClr val="accent1"/>
-          </a:effectRef>
-          <a:fontRef idx="minor">
-            <a:schemeClr val="lt1"/>
-          </a:fontRef>
-        </p:style>
-        <p:txBody>
-          <a:bodyPr rtlCol="0" anchor="ctr"/>
-          <a:lstStyle/>
-          <a:p>
-            <a:pPr algn="ctr"/>
-            <a:r>
-              <a:rPr lang="ru-RU" sz="3200" dirty="0">
-                <a:solidFill>
-                  <a:schemeClr val="tx1"/>
-                </a:solidFill>
-              </a:rPr>
-              <a:t>4</a:t>
-            </a:r>
-          </a:p>
-        </p:txBody>
-      </p:sp>
-      <p:sp>
-        <p:nvSpPr>
-          <p:cNvPr id="64" name="Овал 63">
-            <a:extLst>
-              <a:ext uri="{FF2B5EF4-FFF2-40B4-BE49-F238E27FC236}">
-                <a16:creationId xmlns:a16="http://schemas.microsoft.com/office/drawing/2014/main" id="{2572208E-EB18-43EA-8ED3-7D2519ADDA74}"/>
-              </a:ext>
-            </a:extLst>
-          </p:cNvPr>
-          <p:cNvSpPr>
-            <a:spLocks noChangeAspect="1"/>
-          </p:cNvSpPr>
-          <p:nvPr/>
-        </p:nvSpPr>
-        <p:spPr>
-          <a:xfrm>
-            <a:off x="6230840" y="3623426"/>
-            <a:ext cx="467368" cy="467368"/>
-          </a:xfrm>
-          <a:prstGeom prst="ellipse">
-            <a:avLst/>
-          </a:prstGeom>
-          <a:solidFill>
-            <a:schemeClr val="bg1"/>
-          </a:solidFill>
-          <a:ln>
-            <a:solidFill>
-              <a:srgbClr val="7030A0"/>
-            </a:solidFill>
-          </a:ln>
-        </p:spPr>
-        <p:style>
-          <a:lnRef idx="2">
-            <a:schemeClr val="accent1">
-              <a:shade val="50000"/>
-            </a:schemeClr>
-          </a:lnRef>
-          <a:fillRef idx="1">
-            <a:schemeClr val="accent1"/>
-          </a:fillRef>
-          <a:effectRef idx="0">
-            <a:schemeClr val="accent1"/>
-          </a:effectRef>
-          <a:fontRef idx="minor">
-            <a:schemeClr val="lt1"/>
-          </a:fontRef>
-        </p:style>
-        <p:txBody>
-          <a:bodyPr rtlCol="0" anchor="ctr"/>
-          <a:lstStyle/>
-          <a:p>
-            <a:pPr algn="ctr"/>
-            <a:r>
-              <a:rPr lang="en-US" sz="3200" dirty="0">
-                <a:solidFill>
-                  <a:schemeClr val="tx1"/>
-                </a:solidFill>
-              </a:rPr>
-              <a:t>5</a:t>
-            </a:r>
-            <a:endParaRPr lang="ru-RU" sz="3200" dirty="0">
-              <a:solidFill>
-                <a:schemeClr val="tx1"/>
-              </a:solidFill>
-            </a:endParaRPr>
-          </a:p>
-        </p:txBody>
-      </p:sp>
-      <p:sp>
-        <p:nvSpPr>
-          <p:cNvPr id="65" name="Овал 64">
-            <a:extLst>
-              <a:ext uri="{FF2B5EF4-FFF2-40B4-BE49-F238E27FC236}">
-                <a16:creationId xmlns:a16="http://schemas.microsoft.com/office/drawing/2014/main" id="{6CE371CF-E54D-424C-9E3B-A871D0620809}"/>
-              </a:ext>
-            </a:extLst>
-          </p:cNvPr>
-          <p:cNvSpPr>
-            <a:spLocks noChangeAspect="1"/>
-          </p:cNvSpPr>
-          <p:nvPr/>
-        </p:nvSpPr>
-        <p:spPr>
-          <a:xfrm>
-            <a:off x="1524252" y="4399864"/>
-            <a:ext cx="452902" cy="452902"/>
-          </a:xfrm>
-          <a:prstGeom prst="ellipse">
-            <a:avLst/>
-          </a:prstGeom>
-          <a:solidFill>
-            <a:schemeClr val="bg1"/>
-          </a:solidFill>
-          <a:ln>
-            <a:solidFill>
-              <a:srgbClr val="7030A0"/>
-            </a:solidFill>
-          </a:ln>
-        </p:spPr>
-        <p:style>
-          <a:lnRef idx="2">
-            <a:schemeClr val="accent1">
-              <a:shade val="50000"/>
-            </a:schemeClr>
-          </a:lnRef>
-          <a:fillRef idx="1">
-            <a:schemeClr val="accent1"/>
-          </a:fillRef>
-          <a:effectRef idx="0">
-            <a:schemeClr val="accent1"/>
-          </a:effectRef>
-          <a:fontRef idx="minor">
-            <a:schemeClr val="lt1"/>
-          </a:fontRef>
-        </p:style>
-        <p:txBody>
-          <a:bodyPr rtlCol="0" anchor="ctr"/>
-          <a:lstStyle/>
-          <a:p>
-            <a:pPr algn="ctr"/>
-            <a:r>
-              <a:rPr lang="en-US" sz="3200" dirty="0">
-                <a:solidFill>
-                  <a:schemeClr val="tx1"/>
-                </a:solidFill>
-              </a:rPr>
-              <a:t>6</a:t>
-            </a:r>
-            <a:endParaRPr lang="ru-RU" sz="3200" dirty="0">
-              <a:solidFill>
-                <a:schemeClr val="tx1"/>
-              </a:solidFill>
-            </a:endParaRPr>
-          </a:p>
-        </p:txBody>
-      </p:sp>
-      <p:cxnSp>
-        <p:nvCxnSpPr>
-          <p:cNvPr id="66" name="Соединитель: уступ 65">
-            <a:extLst>
-              <a:ext uri="{FF2B5EF4-FFF2-40B4-BE49-F238E27FC236}">
-                <a16:creationId xmlns:a16="http://schemas.microsoft.com/office/drawing/2014/main" id="{3D691D97-E1EE-4815-954B-841BD774CBE4}"/>
-              </a:ext>
-            </a:extLst>
-          </p:cNvPr>
-          <p:cNvCxnSpPr>
-            <a:cxnSpLocks/>
-            <a:endCxn id="6" idx="2"/>
-          </p:cNvCxnSpPr>
-          <p:nvPr/>
-        </p:nvCxnSpPr>
-        <p:spPr>
-          <a:xfrm rot="10800000">
-            <a:off x="1310804" y="2243086"/>
-            <a:ext cx="2912903" cy="2660709"/>
-          </a:xfrm>
-          <a:prstGeom prst="bentConnector2">
-            <a:avLst/>
-          </a:prstGeom>
-          <a:ln w="57150">
-            <a:solidFill>
-              <a:schemeClr val="accent1"/>
-            </a:solidFill>
-            <a:tailEnd type="triangle"/>
-          </a:ln>
-        </p:spPr>
-        <p:style>
-          <a:lnRef idx="1">
-            <a:schemeClr val="accent1"/>
-          </a:lnRef>
-          <a:fillRef idx="0">
-            <a:schemeClr val="accent1"/>
-          </a:fillRef>
-          <a:effectRef idx="0">
-            <a:schemeClr val="accent1"/>
-          </a:effectRef>
-          <a:fontRef idx="minor">
-            <a:schemeClr val="tx1"/>
-          </a:fontRef>
-        </p:style>
-      </p:cxnSp>
-      <p:sp>
-        <p:nvSpPr>
-          <p:cNvPr id="69" name="TextBox 68">
-            <a:extLst>
-              <a:ext uri="{FF2B5EF4-FFF2-40B4-BE49-F238E27FC236}">
-                <a16:creationId xmlns:a16="http://schemas.microsoft.com/office/drawing/2014/main" id="{EDC40F92-0A77-45DC-A584-2A8BDFB58CAA}"/>
-              </a:ext>
-            </a:extLst>
-          </p:cNvPr>
-          <p:cNvSpPr txBox="1"/>
-          <p:nvPr/>
-        </p:nvSpPr>
-        <p:spPr>
-          <a:xfrm>
-            <a:off x="2059420" y="4405089"/>
-            <a:ext cx="1587809" cy="523220"/>
-          </a:xfrm>
-          <a:prstGeom prst="rect">
-            <a:avLst/>
-          </a:prstGeom>
-          <a:noFill/>
-        </p:spPr>
-        <p:txBody>
-          <a:bodyPr wrap="square" rtlCol="0">
-            <a:spAutoFit/>
-          </a:bodyPr>
-          <a:lstStyle/>
-          <a:p>
-            <a:r>
-              <a:rPr lang="ru-RU" sz="2800" dirty="0">
-                <a:solidFill>
-                  <a:schemeClr val="accent2">
-                    <a:lumMod val="75000"/>
-                  </a:schemeClr>
-                </a:solidFill>
-              </a:rPr>
-              <a:t>Ход Бота</a:t>
-            </a:r>
-          </a:p>
-        </p:txBody>
-      </p:sp>
-      <p:sp>
-        <p:nvSpPr>
-          <p:cNvPr id="73" name="Овал 72">
-            <a:extLst>
-              <a:ext uri="{FF2B5EF4-FFF2-40B4-BE49-F238E27FC236}">
-                <a16:creationId xmlns:a16="http://schemas.microsoft.com/office/drawing/2014/main" id="{15C95894-A8EC-4E6D-BBB1-D3C7B636FD3E}"/>
-              </a:ext>
-            </a:extLst>
-          </p:cNvPr>
-          <p:cNvSpPr>
-            <a:spLocks noChangeAspect="1"/>
-          </p:cNvSpPr>
-          <p:nvPr/>
-        </p:nvSpPr>
-        <p:spPr>
-          <a:xfrm>
-            <a:off x="9911457" y="4938953"/>
-            <a:ext cx="452902" cy="452902"/>
-          </a:xfrm>
-          <a:prstGeom prst="ellipse">
-            <a:avLst/>
-          </a:prstGeom>
-          <a:solidFill>
-            <a:schemeClr val="bg1"/>
-          </a:solidFill>
-          <a:ln>
-            <a:solidFill>
-              <a:srgbClr val="7030A0"/>
-            </a:solidFill>
-          </a:ln>
-        </p:spPr>
-        <p:style>
-          <a:lnRef idx="2">
-            <a:schemeClr val="accent1">
-              <a:shade val="50000"/>
-            </a:schemeClr>
-          </a:lnRef>
-          <a:fillRef idx="1">
-            <a:schemeClr val="accent1"/>
-          </a:fillRef>
-          <a:effectRef idx="0">
-            <a:schemeClr val="accent1"/>
-          </a:effectRef>
-          <a:fontRef idx="minor">
-            <a:schemeClr val="lt1"/>
-          </a:fontRef>
-        </p:style>
-        <p:txBody>
-          <a:bodyPr rtlCol="0" anchor="ctr"/>
-          <a:lstStyle/>
-          <a:p>
-            <a:pPr algn="ctr"/>
-            <a:r>
-              <a:rPr lang="ru-RU" sz="3200" dirty="0">
-                <a:solidFill>
-                  <a:schemeClr val="tx1"/>
-                </a:solidFill>
-              </a:rPr>
-              <a:t>7</a:t>
-            </a:r>
-          </a:p>
-        </p:txBody>
-      </p:sp>
-      <p:cxnSp>
-        <p:nvCxnSpPr>
-          <p:cNvPr id="76" name="Соединитель: уступ 75">
-            <a:extLst>
-              <a:ext uri="{FF2B5EF4-FFF2-40B4-BE49-F238E27FC236}">
-                <a16:creationId xmlns:a16="http://schemas.microsoft.com/office/drawing/2014/main" id="{F0B8930E-369E-4A24-885B-8F441BCAF028}"/>
-              </a:ext>
-            </a:extLst>
-          </p:cNvPr>
-          <p:cNvCxnSpPr>
-            <a:cxnSpLocks/>
-            <a:stCxn id="65" idx="2"/>
-            <a:endCxn id="62" idx="0"/>
-          </p:cNvCxnSpPr>
-          <p:nvPr/>
-        </p:nvCxnSpPr>
-        <p:spPr>
-          <a:xfrm rot="10800000" flipV="1">
-            <a:off x="884828" y="4626315"/>
-            <a:ext cx="639424" cy="355756"/>
-          </a:xfrm>
-          <a:prstGeom prst="bentConnector2">
-            <a:avLst/>
-          </a:prstGeom>
-          <a:ln w="38100">
-            <a:solidFill>
-              <a:srgbClr val="7030A0"/>
-            </a:solidFill>
-            <a:tailEnd type="triangle"/>
-          </a:ln>
-        </p:spPr>
-        <p:style>
-          <a:lnRef idx="1">
-            <a:schemeClr val="accent1"/>
-          </a:lnRef>
-          <a:fillRef idx="0">
-            <a:schemeClr val="accent1"/>
-          </a:fillRef>
-          <a:effectRef idx="0">
-            <a:schemeClr val="accent1"/>
-          </a:effectRef>
-          <a:fontRef idx="minor">
-            <a:schemeClr val="tx1"/>
-          </a:fontRef>
-        </p:style>
-      </p:cxnSp>
-    </p:spTree>
-    <p:extLst>
-      <p:ext uri="{BB962C8B-B14F-4D97-AF65-F5344CB8AC3E}">
-        <p14:creationId xmlns:p14="http://schemas.microsoft.com/office/powerpoint/2010/main" val="831779919"/>
-      </p:ext>
-    </p:extLst>
-  </p:cSld>
-  <p:clrMapOvr>
-    <a:masterClrMapping/>
-  </p:clrMapOvr>
-</p:sld>
-</file>
-
-<file path=ppt/slides/slide11.xml><?xml version="1.0" encoding="utf-8"?>
-<p:sld xmlns:a="http://schemas.openxmlformats.org/drawingml/2006/main" xmlns:r="http://schemas.openxmlformats.org/officeDocument/2006/relationships" xmlns:p="http://schemas.openxmlformats.org/presentationml/2006/main">
-  <p:cSld>
-    <p:spTree>
-      <p:nvGrpSpPr>
-        <p:cNvPr id="1" name=""/>
-        <p:cNvGrpSpPr/>
-        <p:nvPr/>
-      </p:nvGrpSpPr>
-      <p:grpSpPr>
-        <a:xfrm>
-          <a:off x="0" y="0"/>
-          <a:ext cx="0" cy="0"/>
-          <a:chOff x="0" y="0"/>
-          <a:chExt cx="0" cy="0"/>
-        </a:xfrm>
-      </p:grpSpPr>
-      <p:sp>
-        <p:nvSpPr>
-          <p:cNvPr id="2" name="Заголовок 1">
-            <a:extLst>
-              <a:ext uri="{FF2B5EF4-FFF2-40B4-BE49-F238E27FC236}">
-                <a16:creationId xmlns:a16="http://schemas.microsoft.com/office/drawing/2014/main" id="{9400DF42-B3AB-434D-B068-13896FA0AFAE}"/>
-              </a:ext>
-            </a:extLst>
-          </p:cNvPr>
-          <p:cNvSpPr>
-            <a:spLocks noGrp="1"/>
-          </p:cNvSpPr>
-          <p:nvPr>
-            <p:ph type="title"/>
-          </p:nvPr>
-        </p:nvSpPr>
-        <p:spPr/>
-        <p:txBody>
-          <a:bodyPr/>
-          <a:lstStyle/>
-          <a:p>
-            <a:r>
-              <a:rPr lang="ru-RU" dirty="0"/>
-              <a:t>Р</a:t>
-            </a:r>
-          </a:p>
-        </p:txBody>
-      </p:sp>
-      <p:pic>
-        <p:nvPicPr>
-          <p:cNvPr id="6" name="Объект 5">
-            <a:extLst>
-              <a:ext uri="{FF2B5EF4-FFF2-40B4-BE49-F238E27FC236}">
-                <a16:creationId xmlns:a16="http://schemas.microsoft.com/office/drawing/2014/main" id="{20F3F5A1-5C98-47F4-84A5-57ECEC90B00F}"/>
-              </a:ext>
-            </a:extLst>
-          </p:cNvPr>
-          <p:cNvPicPr>
-            <a:picLocks noGrp="1" noChangeAspect="1"/>
-          </p:cNvPicPr>
-          <p:nvPr>
-            <p:ph idx="1"/>
-          </p:nvPr>
-        </p:nvPicPr>
-        <p:blipFill>
-          <a:blip r:embed="rId2"/>
-          <a:stretch>
-            <a:fillRect/>
-          </a:stretch>
-        </p:blipFill>
-        <p:spPr>
-          <a:xfrm>
-            <a:off x="0" y="0"/>
-            <a:ext cx="12192000" cy="6858000"/>
-          </a:xfrm>
-        </p:spPr>
-      </p:pic>
-      <p:sp>
-        <p:nvSpPr>
-          <p:cNvPr id="4" name="Текст 3">
-            <a:extLst>
-              <a:ext uri="{FF2B5EF4-FFF2-40B4-BE49-F238E27FC236}">
-                <a16:creationId xmlns:a16="http://schemas.microsoft.com/office/drawing/2014/main" id="{F07CF676-9587-4E26-9838-7B5DD5CD6359}"/>
-              </a:ext>
-            </a:extLst>
-          </p:cNvPr>
-          <p:cNvSpPr>
-            <a:spLocks noGrp="1"/>
-          </p:cNvSpPr>
-          <p:nvPr>
-            <p:ph type="body" sz="half" idx="2"/>
-          </p:nvPr>
-        </p:nvSpPr>
-        <p:spPr/>
-        <p:txBody>
-          <a:bodyPr/>
-          <a:lstStyle/>
-          <a:p>
-            <a:endParaRPr lang="ru-RU"/>
-          </a:p>
-        </p:txBody>
-      </p:sp>
-    </p:spTree>
-    <p:extLst>
-      <p:ext uri="{BB962C8B-B14F-4D97-AF65-F5344CB8AC3E}">
-        <p14:creationId xmlns:p14="http://schemas.microsoft.com/office/powerpoint/2010/main" val="3714488132"/>
-      </p:ext>
-    </p:extLst>
-  </p:cSld>
-  <p:clrMapOvr>
-    <a:masterClrMapping/>
-  </p:clrMapOvr>
-</p:sld>
-</file>
-
-<file path=ppt/slides/slide12.xml><?xml version="1.0" encoding="utf-8"?>
-<p:sld xmlns:a="http://schemas.openxmlformats.org/drawingml/2006/main" xmlns:r="http://schemas.openxmlformats.org/officeDocument/2006/relationships" xmlns:p="http://schemas.openxmlformats.org/presentationml/2006/main">
-  <p:cSld>
-    <p:spTree>
-      <p:nvGrpSpPr>
-        <p:cNvPr id="1" name=""/>
-        <p:cNvGrpSpPr/>
-        <p:nvPr/>
-      </p:nvGrpSpPr>
-      <p:grpSpPr>
-        <a:xfrm>
-          <a:off x="0" y="0"/>
-          <a:ext cx="0" cy="0"/>
-          <a:chOff x="0" y="0"/>
-          <a:chExt cx="0" cy="0"/>
-        </a:xfrm>
-      </p:grpSpPr>
-      <p:sp>
-        <p:nvSpPr>
-          <p:cNvPr id="4" name="Заголовок 3">
-            <a:extLst>
-              <a:ext uri="{FF2B5EF4-FFF2-40B4-BE49-F238E27FC236}">
-                <a16:creationId xmlns:a16="http://schemas.microsoft.com/office/drawing/2014/main" id="{E15CB48A-1C59-47AF-9D00-949C8460CC7D}"/>
-              </a:ext>
-            </a:extLst>
-          </p:cNvPr>
-          <p:cNvSpPr>
-            <a:spLocks noGrp="1"/>
-          </p:cNvSpPr>
-          <p:nvPr>
-            <p:ph type="title"/>
-          </p:nvPr>
-        </p:nvSpPr>
-        <p:spPr>
-          <a:xfrm>
-            <a:off x="457200" y="594359"/>
-            <a:ext cx="3200400" cy="807721"/>
-          </a:xfrm>
-        </p:spPr>
-        <p:txBody>
-          <a:bodyPr>
-            <a:normAutofit/>
-          </a:bodyPr>
-          <a:lstStyle/>
-          <a:p>
-            <a:r>
-              <a:rPr lang="ru-RU" sz="4400" dirty="0"/>
-              <a:t>Подготовка</a:t>
-            </a:r>
-          </a:p>
-        </p:txBody>
-      </p:sp>
-      <p:sp>
-        <p:nvSpPr>
-          <p:cNvPr id="6" name="Текст 5">
-            <a:extLst>
-              <a:ext uri="{FF2B5EF4-FFF2-40B4-BE49-F238E27FC236}">
-                <a16:creationId xmlns:a16="http://schemas.microsoft.com/office/drawing/2014/main" id="{9876465D-A81E-4967-BEA9-F76C78886775}"/>
-              </a:ext>
-            </a:extLst>
-          </p:cNvPr>
-          <p:cNvSpPr>
-            <a:spLocks noGrp="1"/>
-          </p:cNvSpPr>
-          <p:nvPr>
-            <p:ph type="body" sz="half" idx="2"/>
-          </p:nvPr>
-        </p:nvSpPr>
-        <p:spPr>
-          <a:xfrm>
-            <a:off x="457199" y="1402080"/>
-            <a:ext cx="3331029" cy="4903124"/>
-          </a:xfrm>
-        </p:spPr>
-        <p:txBody>
-          <a:bodyPr>
-            <a:normAutofit/>
-          </a:bodyPr>
-          <a:lstStyle/>
-          <a:p>
-            <a:pPr marL="514350" indent="-514350">
-              <a:buClr>
-                <a:schemeClr val="bg1"/>
-              </a:buClr>
-              <a:buAutoNum type="arabicPeriod"/>
-            </a:pPr>
-            <a:r>
-              <a:rPr lang="ru-RU" sz="2800" dirty="0">
-                <a:solidFill>
-                  <a:schemeClr val="bg1"/>
-                </a:solidFill>
-              </a:rPr>
-              <a:t>Выбор игры</a:t>
-            </a:r>
-          </a:p>
-          <a:p>
-            <a:pPr marL="514350" indent="-514350">
-              <a:buClr>
-                <a:schemeClr val="bg1"/>
-              </a:buClr>
-              <a:buAutoNum type="arabicPeriod"/>
-            </a:pPr>
-            <a:r>
-              <a:rPr lang="ru-RU" sz="2800" dirty="0">
-                <a:solidFill>
-                  <a:schemeClr val="bg1"/>
-                </a:solidFill>
-              </a:rPr>
-              <a:t>Выбор ботов</a:t>
-            </a:r>
-          </a:p>
-          <a:p>
-            <a:pPr marL="514350" indent="-514350">
-              <a:buClr>
-                <a:schemeClr val="bg1"/>
-              </a:buClr>
-              <a:buAutoNum type="arabicPeriod"/>
-            </a:pPr>
-            <a:r>
-              <a:rPr lang="ru-RU" sz="2800" dirty="0">
-                <a:solidFill>
-                  <a:schemeClr val="bg1"/>
-                </a:solidFill>
-              </a:rPr>
-              <a:t>Настройка игры</a:t>
-            </a:r>
-          </a:p>
-          <a:p>
-            <a:pPr marL="514350" indent="-514350">
-              <a:buClr>
-                <a:schemeClr val="bg1"/>
-              </a:buClr>
-              <a:buAutoNum type="arabicPeriod"/>
-            </a:pPr>
-            <a:r>
-              <a:rPr lang="ru-RU" sz="2800" dirty="0">
-                <a:solidFill>
-                  <a:schemeClr val="bg1"/>
-                </a:solidFill>
-              </a:rPr>
-              <a:t>Запуск</a:t>
-            </a:r>
-          </a:p>
-          <a:p>
-            <a:pPr marL="514350" indent="-514350">
-              <a:buAutoNum type="arabicPeriod"/>
-            </a:pPr>
-            <a:endParaRPr lang="ru-RU" sz="2800" dirty="0">
-              <a:solidFill>
-                <a:schemeClr val="bg1"/>
-              </a:solidFill>
-            </a:endParaRPr>
-          </a:p>
-        </p:txBody>
-      </p:sp>
-      <p:pic>
-        <p:nvPicPr>
-          <p:cNvPr id="12" name="Объект 11">
-            <a:extLst>
-              <a:ext uri="{FF2B5EF4-FFF2-40B4-BE49-F238E27FC236}">
-                <a16:creationId xmlns:a16="http://schemas.microsoft.com/office/drawing/2014/main" id="{D19DD7DB-7D0C-406F-99EF-E0D3C72E2536}"/>
-              </a:ext>
-            </a:extLst>
-          </p:cNvPr>
-          <p:cNvPicPr>
-            <a:picLocks noGrp="1" noChangeAspect="1"/>
-          </p:cNvPicPr>
-          <p:nvPr>
-            <p:ph idx="1"/>
-          </p:nvPr>
-        </p:nvPicPr>
-        <p:blipFill>
-          <a:blip r:embed="rId2"/>
-          <a:stretch>
-            <a:fillRect/>
-          </a:stretch>
-        </p:blipFill>
-        <p:spPr>
-          <a:xfrm>
-            <a:off x="5571377" y="282184"/>
-            <a:ext cx="4873883" cy="6293631"/>
-          </a:xfrm>
-          <a:prstGeom prst="rect">
-            <a:avLst/>
-          </a:prstGeom>
-          <a:ln w="88900" cap="sq" cmpd="thickThin">
-            <a:solidFill>
-              <a:srgbClr val="000000"/>
-            </a:solidFill>
-            <a:prstDash val="solid"/>
-            <a:miter lim="800000"/>
-          </a:ln>
-          <a:effectLst>
-            <a:innerShdw blurRad="76200">
-              <a:srgbClr val="000000"/>
-            </a:innerShdw>
-          </a:effectLst>
-        </p:spPr>
-      </p:pic>
-    </p:spTree>
-    <p:extLst>
-      <p:ext uri="{BB962C8B-B14F-4D97-AF65-F5344CB8AC3E}">
-        <p14:creationId xmlns:p14="http://schemas.microsoft.com/office/powerpoint/2010/main" val="2631979602"/>
-      </p:ext>
-    </p:extLst>
-  </p:cSld>
-  <p:clrMapOvr>
-    <a:masterClrMapping/>
-  </p:clrMapOvr>
-</p:sld>
-</file>
-
-<file path=ppt/slides/slide13.xml><?xml version="1.0" encoding="utf-8"?>
-<p:sld xmlns:a="http://schemas.openxmlformats.org/drawingml/2006/main" xmlns:r="http://schemas.openxmlformats.org/officeDocument/2006/relationships" xmlns:p="http://schemas.openxmlformats.org/presentationml/2006/main">
-  <p:cSld>
-    <p:spTree>
-      <p:nvGrpSpPr>
-        <p:cNvPr id="1" name=""/>
-        <p:cNvGrpSpPr/>
-        <p:nvPr/>
-      </p:nvGrpSpPr>
-      <p:grpSpPr>
-        <a:xfrm>
-          <a:off x="0" y="0"/>
-          <a:ext cx="0" cy="0"/>
-          <a:chOff x="0" y="0"/>
-          <a:chExt cx="0" cy="0"/>
-        </a:xfrm>
-      </p:grpSpPr>
-      <p:sp>
-        <p:nvSpPr>
-          <p:cNvPr id="4" name="Заголовок 3">
-            <a:extLst>
-              <a:ext uri="{FF2B5EF4-FFF2-40B4-BE49-F238E27FC236}">
-                <a16:creationId xmlns:a16="http://schemas.microsoft.com/office/drawing/2014/main" id="{E15CB48A-1C59-47AF-9D00-949C8460CC7D}"/>
-              </a:ext>
-            </a:extLst>
-          </p:cNvPr>
-          <p:cNvSpPr>
-            <a:spLocks noGrp="1"/>
-          </p:cNvSpPr>
-          <p:nvPr>
-            <p:ph type="title"/>
-          </p:nvPr>
-        </p:nvSpPr>
-        <p:spPr>
-          <a:xfrm>
-            <a:off x="457200" y="594359"/>
-            <a:ext cx="3200400" cy="807721"/>
-          </a:xfrm>
-        </p:spPr>
-        <p:txBody>
-          <a:bodyPr>
-            <a:normAutofit/>
-          </a:bodyPr>
-          <a:lstStyle/>
-          <a:p>
-            <a:r>
-              <a:rPr lang="ru-RU" sz="4400" dirty="0"/>
-              <a:t>Турнир</a:t>
-            </a:r>
-          </a:p>
-        </p:txBody>
-      </p:sp>
-      <p:sp>
-        <p:nvSpPr>
-          <p:cNvPr id="6" name="Текст 5">
-            <a:extLst>
-              <a:ext uri="{FF2B5EF4-FFF2-40B4-BE49-F238E27FC236}">
-                <a16:creationId xmlns:a16="http://schemas.microsoft.com/office/drawing/2014/main" id="{9876465D-A81E-4967-BEA9-F76C78886775}"/>
-              </a:ext>
-            </a:extLst>
-          </p:cNvPr>
-          <p:cNvSpPr>
-            <a:spLocks noGrp="1"/>
-          </p:cNvSpPr>
-          <p:nvPr>
-            <p:ph type="body" sz="half" idx="2"/>
-          </p:nvPr>
-        </p:nvSpPr>
-        <p:spPr>
-          <a:xfrm>
-            <a:off x="457199" y="1402080"/>
-            <a:ext cx="3331029" cy="4903124"/>
-          </a:xfrm>
-        </p:spPr>
-        <p:txBody>
-          <a:bodyPr>
-            <a:normAutofit/>
-          </a:bodyPr>
-          <a:lstStyle/>
-          <a:p>
-            <a:pPr marL="514350" indent="-514350">
-              <a:buClr>
-                <a:schemeClr val="bg1"/>
-              </a:buClr>
-              <a:buAutoNum type="arabicPeriod"/>
-            </a:pPr>
-            <a:r>
-              <a:rPr lang="ru-RU" sz="2800" dirty="0">
-                <a:solidFill>
-                  <a:schemeClr val="bg1"/>
-                </a:solidFill>
-              </a:rPr>
-              <a:t>Отмена</a:t>
-            </a:r>
-          </a:p>
-          <a:p>
-            <a:pPr marL="514350" indent="-514350">
-              <a:buClr>
-                <a:schemeClr val="bg1"/>
-              </a:buClr>
-              <a:buAutoNum type="arabicPeriod"/>
-            </a:pPr>
-            <a:r>
-              <a:rPr lang="ru-RU" sz="2800" dirty="0">
-                <a:solidFill>
-                  <a:schemeClr val="bg1"/>
-                </a:solidFill>
-              </a:rPr>
-              <a:t>Старт</a:t>
-            </a:r>
-            <a:r>
-              <a:rPr lang="en-US" sz="2800" dirty="0">
-                <a:solidFill>
-                  <a:schemeClr val="bg1"/>
-                </a:solidFill>
-              </a:rPr>
-              <a:t>/</a:t>
-            </a:r>
-            <a:r>
-              <a:rPr lang="ru-RU" sz="2800" dirty="0">
-                <a:solidFill>
-                  <a:schemeClr val="bg1"/>
-                </a:solidFill>
-              </a:rPr>
-              <a:t>Стоп</a:t>
-            </a:r>
-          </a:p>
-          <a:p>
-            <a:pPr marL="514350" indent="-514350">
-              <a:buClr>
-                <a:schemeClr val="bg1"/>
-              </a:buClr>
-              <a:buAutoNum type="arabicPeriod"/>
-            </a:pPr>
-            <a:r>
-              <a:rPr lang="ru-RU" sz="2800" dirty="0">
-                <a:solidFill>
-                  <a:schemeClr val="bg1"/>
-                </a:solidFill>
-              </a:rPr>
-              <a:t>Скорость игры</a:t>
-            </a:r>
-          </a:p>
-          <a:p>
-            <a:pPr marL="514350" indent="-514350">
-              <a:buClr>
-                <a:schemeClr val="bg1"/>
-              </a:buClr>
-              <a:buAutoNum type="arabicPeriod"/>
-            </a:pPr>
-            <a:r>
-              <a:rPr lang="ru-RU" sz="2800" dirty="0">
-                <a:solidFill>
-                  <a:schemeClr val="bg1"/>
-                </a:solidFill>
-              </a:rPr>
-              <a:t>Вывод игры</a:t>
-            </a:r>
-          </a:p>
-          <a:p>
-            <a:pPr marL="514350" indent="-514350">
-              <a:buClr>
-                <a:schemeClr val="bg1"/>
-              </a:buClr>
-              <a:buAutoNum type="arabicPeriod"/>
-            </a:pPr>
-            <a:endParaRPr lang="ru-RU" sz="2800" dirty="0">
-              <a:solidFill>
-                <a:schemeClr val="bg1"/>
-              </a:solidFill>
-            </a:endParaRPr>
-          </a:p>
-          <a:p>
-            <a:pPr marL="514350" indent="-514350">
-              <a:buAutoNum type="arabicPeriod"/>
-            </a:pPr>
-            <a:endParaRPr lang="ru-RU" sz="2800" dirty="0">
-              <a:solidFill>
-                <a:schemeClr val="bg1"/>
-              </a:solidFill>
-            </a:endParaRPr>
-          </a:p>
-        </p:txBody>
-      </p:sp>
-      <p:pic>
-        <p:nvPicPr>
-          <p:cNvPr id="10" name="Объект 9">
-            <a:extLst>
-              <a:ext uri="{FF2B5EF4-FFF2-40B4-BE49-F238E27FC236}">
-                <a16:creationId xmlns:a16="http://schemas.microsoft.com/office/drawing/2014/main" id="{E20BD86A-5F46-4284-B9CA-9163F8760A7D}"/>
-              </a:ext>
-            </a:extLst>
-          </p:cNvPr>
-          <p:cNvPicPr>
-            <a:picLocks noGrp="1" noChangeAspect="1"/>
-          </p:cNvPicPr>
-          <p:nvPr>
-            <p:ph idx="1"/>
-          </p:nvPr>
-        </p:nvPicPr>
-        <p:blipFill>
-          <a:blip r:embed="rId2"/>
-          <a:stretch>
-            <a:fillRect/>
-          </a:stretch>
-        </p:blipFill>
-        <p:spPr>
-          <a:xfrm>
-            <a:off x="4950557" y="349933"/>
-            <a:ext cx="6326618" cy="6158134"/>
-          </a:xfrm>
-          <a:prstGeom prst="rect">
-            <a:avLst/>
-          </a:prstGeom>
-          <a:ln w="88900" cap="sq" cmpd="thickThin">
-            <a:solidFill>
-              <a:srgbClr val="000000"/>
-            </a:solidFill>
-            <a:prstDash val="solid"/>
-            <a:miter lim="800000"/>
-          </a:ln>
-          <a:effectLst>
-            <a:innerShdw blurRad="76200">
-              <a:srgbClr val="000000"/>
-            </a:innerShdw>
-          </a:effectLst>
-        </p:spPr>
-      </p:pic>
-    </p:spTree>
-    <p:extLst>
-      <p:ext uri="{BB962C8B-B14F-4D97-AF65-F5344CB8AC3E}">
-        <p14:creationId xmlns:p14="http://schemas.microsoft.com/office/powerpoint/2010/main" val="1475237318"/>
-      </p:ext>
-    </p:extLst>
-  </p:cSld>
-  <p:clrMapOvr>
-    <a:masterClrMapping/>
-  </p:clrMapOvr>
-</p:sld>
-</file>
-
-<file path=ppt/slides/slide14.xml><?xml version="1.0" encoding="utf-8"?>
-<p:sld xmlns:a="http://schemas.openxmlformats.org/drawingml/2006/main" xmlns:r="http://schemas.openxmlformats.org/officeDocument/2006/relationships" xmlns:p="http://schemas.openxmlformats.org/presentationml/2006/main">
-  <p:cSld>
-    <p:spTree>
-      <p:nvGrpSpPr>
-        <p:cNvPr id="1" name=""/>
-        <p:cNvGrpSpPr/>
-        <p:nvPr/>
-      </p:nvGrpSpPr>
-      <p:grpSpPr>
-        <a:xfrm>
-          <a:off x="0" y="0"/>
-          <a:ext cx="0" cy="0"/>
-          <a:chOff x="0" y="0"/>
-          <a:chExt cx="0" cy="0"/>
-        </a:xfrm>
-      </p:grpSpPr>
-      <p:sp>
-        <p:nvSpPr>
-          <p:cNvPr id="4" name="Заголовок 3">
-            <a:extLst>
-              <a:ext uri="{FF2B5EF4-FFF2-40B4-BE49-F238E27FC236}">
-                <a16:creationId xmlns:a16="http://schemas.microsoft.com/office/drawing/2014/main" id="{E15CB48A-1C59-47AF-9D00-949C8460CC7D}"/>
-              </a:ext>
-            </a:extLst>
-          </p:cNvPr>
-          <p:cNvSpPr>
-            <a:spLocks noGrp="1"/>
-          </p:cNvSpPr>
-          <p:nvPr>
-            <p:ph type="title"/>
-          </p:nvPr>
-        </p:nvSpPr>
-        <p:spPr>
-          <a:xfrm>
-            <a:off x="457200" y="594359"/>
-            <a:ext cx="3200400" cy="807721"/>
-          </a:xfrm>
-        </p:spPr>
-        <p:txBody>
-          <a:bodyPr>
-            <a:normAutofit/>
-          </a:bodyPr>
-          <a:lstStyle/>
-          <a:p>
-            <a:r>
-              <a:rPr lang="ru-RU" sz="4400" dirty="0"/>
-              <a:t>Результаты</a:t>
-            </a:r>
-          </a:p>
-        </p:txBody>
-      </p:sp>
-      <p:sp>
-        <p:nvSpPr>
-          <p:cNvPr id="6" name="Текст 5">
-            <a:extLst>
-              <a:ext uri="{FF2B5EF4-FFF2-40B4-BE49-F238E27FC236}">
-                <a16:creationId xmlns:a16="http://schemas.microsoft.com/office/drawing/2014/main" id="{9876465D-A81E-4967-BEA9-F76C78886775}"/>
-              </a:ext>
-            </a:extLst>
-          </p:cNvPr>
-          <p:cNvSpPr>
-            <a:spLocks noGrp="1"/>
-          </p:cNvSpPr>
-          <p:nvPr>
-            <p:ph type="body" sz="half" idx="2"/>
-          </p:nvPr>
-        </p:nvSpPr>
-        <p:spPr>
-          <a:xfrm>
-            <a:off x="457199" y="1402080"/>
-            <a:ext cx="3331029" cy="4903124"/>
-          </a:xfrm>
-        </p:spPr>
-        <p:txBody>
-          <a:bodyPr>
-            <a:normAutofit/>
-          </a:bodyPr>
-          <a:lstStyle/>
-          <a:p>
-            <a:pPr marL="514350" indent="-514350">
-              <a:buClr>
-                <a:schemeClr val="bg1"/>
-              </a:buClr>
-              <a:buAutoNum type="arabicPeriod"/>
-            </a:pPr>
-            <a:r>
-              <a:rPr lang="ru-RU" sz="2800" dirty="0">
-                <a:solidFill>
-                  <a:schemeClr val="bg1"/>
-                </a:solidFill>
-              </a:rPr>
-              <a:t>Кнопка Назад</a:t>
-            </a:r>
-          </a:p>
-          <a:p>
-            <a:pPr marL="514350" indent="-514350">
-              <a:buClr>
-                <a:schemeClr val="bg1"/>
-              </a:buClr>
-              <a:buAutoNum type="arabicPeriod"/>
-            </a:pPr>
-            <a:r>
-              <a:rPr lang="ru-RU" sz="2800" dirty="0">
-                <a:solidFill>
-                  <a:schemeClr val="bg1"/>
-                </a:solidFill>
-              </a:rPr>
-              <a:t>Турнирная Таблица</a:t>
-            </a:r>
-          </a:p>
-          <a:p>
-            <a:pPr marL="514350" indent="-514350">
-              <a:buClr>
-                <a:schemeClr val="bg1"/>
-              </a:buClr>
-              <a:buAutoNum type="arabicPeriod"/>
-            </a:pPr>
-            <a:r>
-              <a:rPr lang="ru-RU" sz="2800" dirty="0">
-                <a:solidFill>
-                  <a:schemeClr val="bg1"/>
-                </a:solidFill>
-              </a:rPr>
-              <a:t>Расшифровка таблицы текстом</a:t>
-            </a:r>
-          </a:p>
-        </p:txBody>
-      </p:sp>
-      <p:pic>
-        <p:nvPicPr>
-          <p:cNvPr id="14" name="Объект 13">
-            <a:extLst>
-              <a:ext uri="{FF2B5EF4-FFF2-40B4-BE49-F238E27FC236}">
-                <a16:creationId xmlns:a16="http://schemas.microsoft.com/office/drawing/2014/main" id="{4296239D-FFE9-435F-9D9A-AEA71EF39BF5}"/>
-              </a:ext>
-            </a:extLst>
-          </p:cNvPr>
-          <p:cNvPicPr>
-            <a:picLocks noGrp="1" noChangeAspect="1"/>
-          </p:cNvPicPr>
-          <p:nvPr>
-            <p:ph idx="1"/>
-          </p:nvPr>
-        </p:nvPicPr>
-        <p:blipFill>
-          <a:blip r:embed="rId2"/>
-          <a:stretch>
-            <a:fillRect/>
-          </a:stretch>
-        </p:blipFill>
-        <p:spPr>
-          <a:xfrm>
-            <a:off x="4730664" y="431301"/>
-            <a:ext cx="6921582" cy="5995397"/>
-          </a:xfrm>
-          <a:prstGeom prst="rect">
-            <a:avLst/>
-          </a:prstGeom>
-          <a:ln w="88900" cap="sq" cmpd="thickThin">
-            <a:solidFill>
-              <a:srgbClr val="000000"/>
-            </a:solidFill>
-            <a:prstDash val="solid"/>
-            <a:miter lim="800000"/>
-          </a:ln>
-          <a:effectLst>
-            <a:innerShdw blurRad="76200">
-              <a:srgbClr val="000000"/>
-            </a:innerShdw>
-          </a:effectLst>
-        </p:spPr>
-      </p:pic>
-    </p:spTree>
-    <p:extLst>
-      <p:ext uri="{BB962C8B-B14F-4D97-AF65-F5344CB8AC3E}">
-        <p14:creationId xmlns:p14="http://schemas.microsoft.com/office/powerpoint/2010/main" val="2792661320"/>
-      </p:ext>
-    </p:extLst>
-  </p:cSld>
-  <p:clrMapOvr>
-    <a:masterClrMapping/>
-  </p:clrMapOvr>
-</p:sld>
-</file>
-
-<file path=ppt/slides/slide15.xml><?xml version="1.0" encoding="utf-8"?>
-<p:sld xmlns:a="http://schemas.openxmlformats.org/drawingml/2006/main" xmlns:r="http://schemas.openxmlformats.org/officeDocument/2006/relationships" xmlns:p="http://schemas.openxmlformats.org/presentationml/2006/main">
-  <p:cSld>
-    <p:spTree>
-      <p:nvGrpSpPr>
-        <p:cNvPr id="1" name=""/>
-        <p:cNvGrpSpPr/>
-        <p:nvPr/>
-      </p:nvGrpSpPr>
-      <p:grpSpPr>
-        <a:xfrm>
-          <a:off x="0" y="0"/>
-          <a:ext cx="0" cy="0"/>
-          <a:chOff x="0" y="0"/>
-          <a:chExt cx="0" cy="0"/>
-        </a:xfrm>
-      </p:grpSpPr>
-      <p:sp>
-        <p:nvSpPr>
-          <p:cNvPr id="2" name="Заголовок 1">
-            <a:extLst>
-              <a:ext uri="{FF2B5EF4-FFF2-40B4-BE49-F238E27FC236}">
-                <a16:creationId xmlns:a16="http://schemas.microsoft.com/office/drawing/2014/main" id="{F86C25F0-078E-4DC5-88B3-74FB5A2A7BB4}"/>
-              </a:ext>
-            </a:extLst>
-          </p:cNvPr>
-          <p:cNvSpPr>
-            <a:spLocks noGrp="1"/>
-          </p:cNvSpPr>
-          <p:nvPr>
-            <p:ph type="title"/>
-          </p:nvPr>
-        </p:nvSpPr>
-        <p:spPr>
-          <a:xfrm>
-            <a:off x="0" y="529045"/>
-            <a:ext cx="4068146" cy="2286000"/>
-          </a:xfrm>
-        </p:spPr>
-        <p:txBody>
-          <a:bodyPr/>
-          <a:lstStyle/>
-          <a:p>
-            <a:r>
-              <a:rPr lang="ru-RU" dirty="0"/>
-              <a:t>Диаграмма последовательности</a:t>
-            </a:r>
-          </a:p>
-        </p:txBody>
-      </p:sp>
-      <p:pic>
-        <p:nvPicPr>
-          <p:cNvPr id="1026" name="Picture 2">
-            <a:extLst>
-              <a:ext uri="{FF2B5EF4-FFF2-40B4-BE49-F238E27FC236}">
-                <a16:creationId xmlns:a16="http://schemas.microsoft.com/office/drawing/2014/main" id="{237DE323-A50E-4358-9CEF-C9D3BFE181C8}"/>
-              </a:ext>
-            </a:extLst>
-          </p:cNvPr>
-          <p:cNvPicPr>
-            <a:picLocks noGrp="1" noChangeAspect="1" noChangeArrowheads="1"/>
-          </p:cNvPicPr>
-          <p:nvPr>
-            <p:ph idx="1"/>
-          </p:nvPr>
-        </p:nvPicPr>
-        <p:blipFill>
-          <a:blip r:embed="rId2">
-            <a:extLst>
-              <a:ext uri="{28A0092B-C50C-407E-A947-70E740481C1C}">
-                <a14:useLocalDpi xmlns:a14="http://schemas.microsoft.com/office/drawing/2010/main" val="0"/>
-              </a:ext>
-            </a:extLst>
-          </a:blip>
-          <a:stretch>
-            <a:fillRect/>
-          </a:stretch>
-        </p:blipFill>
-        <p:spPr bwMode="auto">
-          <a:xfrm>
-            <a:off x="5227324" y="85082"/>
-            <a:ext cx="4868397" cy="6687836"/>
-          </a:xfrm>
-          <a:prstGeom prst="rect">
-            <a:avLst/>
-          </a:prstGeom>
-          <a:noFill/>
-          <a:ln w="31750">
-            <a:solidFill>
-              <a:schemeClr val="tx1"/>
-            </a:solidFill>
-          </a:ln>
-          <a:extLst>
-            <a:ext uri="{909E8E84-426E-40DD-AFC4-6F175D3DCCD1}">
-              <a14:hiddenFill xmlns:a14="http://schemas.microsoft.com/office/drawing/2010/main">
-                <a:solidFill>
-                  <a:srgbClr val="FFFFFF"/>
-                </a:solidFill>
-              </a14:hiddenFill>
-            </a:ext>
-          </a:extLst>
-        </p:spPr>
-      </p:pic>
-    </p:spTree>
-    <p:extLst>
-      <p:ext uri="{BB962C8B-B14F-4D97-AF65-F5344CB8AC3E}">
-        <p14:creationId xmlns:p14="http://schemas.microsoft.com/office/powerpoint/2010/main" val="1640061990"/>
-      </p:ext>
-    </p:extLst>
-  </p:cSld>
-  <p:clrMapOvr>
-    <a:masterClrMapping/>
-  </p:clrMapOvr>
-</p:sld>
-</file>
-
 <file path=ppt/slides/slide2.xml><?xml version="1.0" encoding="utf-8"?>
 <p:sld xmlns:a="http://schemas.openxmlformats.org/drawingml/2006/main" xmlns:r="http://schemas.openxmlformats.org/officeDocument/2006/relationships" xmlns:p="http://schemas.openxmlformats.org/presentationml/2006/main">
   <p:cSld>
@@ -6799,26 +4580,48 @@
             </a:pPr>
             <a:r>
               <a:rPr lang="ru-RU" sz="3200" dirty="0"/>
-              <a:t>	На кафедре программирования каждую четверть возникает дилемма выбора проекта. </a:t>
-            </a:r>
+              <a:t>У проекта две основных цели</a:t>
+            </a:r>
+            <a:r>
+              <a:rPr lang="en-US" sz="3200" dirty="0"/>
+              <a:t>:</a:t>
+            </a:r>
+          </a:p>
+          <a:p>
+            <a:pPr>
+              <a:buFont typeface="Arial" panose="020B0604020202020204" pitchFamily="34" charset="0"/>
+              <a:buChar char="•"/>
+            </a:pPr>
+            <a:r>
+              <a:rPr lang="en-US" sz="3200" dirty="0"/>
+              <a:t> </a:t>
+            </a:r>
+            <a:r>
+              <a:rPr lang="ru-RU" sz="3200" dirty="0"/>
+              <a:t>Изучение новых инструментов</a:t>
+            </a:r>
+            <a:endParaRPr lang="en-US" sz="3200" dirty="0"/>
+          </a:p>
+          <a:p>
+            <a:pPr>
+              <a:buFont typeface="Arial" panose="020B0604020202020204" pitchFamily="34" charset="0"/>
+              <a:buChar char="•"/>
+            </a:pPr>
+            <a:r>
+              <a:rPr lang="en-US" sz="3200" dirty="0"/>
+              <a:t> </a:t>
+            </a:r>
+            <a:r>
+              <a:rPr lang="ru-RU" sz="3200" dirty="0"/>
+              <a:t>Помощь ученикам и учителям на кафедре программирования с выбором проекта.</a:t>
+            </a:r>
+            <a:endParaRPr lang="en-US" sz="3200" dirty="0"/>
           </a:p>
           <a:p>
             <a:pPr marL="0" indent="0">
               <a:buNone/>
             </a:pPr>
-            <a:r>
-              <a:rPr lang="ru-RU" sz="3200" dirty="0"/>
-              <a:t>	У учеников есть свои темы, которые им интересны. Учителя же хотят, чтобы проекты соответствовали уровню и ответственности учеников. </a:t>
-            </a:r>
-          </a:p>
-          <a:p>
-            <a:pPr marL="0" indent="0">
-              <a:buNone/>
-            </a:pPr>
-            <a:r>
-              <a:rPr lang="ru-RU" sz="3200" dirty="0"/>
-              <a:t>	Эта программа призвана помочь с выбором.</a:t>
-            </a:r>
+            <a:endParaRPr lang="en-US" sz="3200" dirty="0"/>
           </a:p>
         </p:txBody>
       </p:sp>
@@ -7122,20 +4925,24 @@
           </a:p>
           <a:p>
             <a:pPr>
-              <a:buFont typeface="Arial" panose="020B0604020202020204" pitchFamily="34" charset="0"/>
-              <a:buChar char="•"/>
+              <a:buFont typeface="Wingdings" panose="05000000000000000000" pitchFamily="2" charset="2"/>
+              <a:buChar char="ü"/>
             </a:pPr>
             <a:r>
               <a:rPr lang="ru-RU" sz="2800" dirty="0"/>
               <a:t>Получать данные из </a:t>
             </a:r>
             <a:r>
-              <a:rPr lang="en-US" sz="2800"/>
+              <a:rPr lang="en-US" sz="2800" dirty="0"/>
               <a:t>Notion</a:t>
             </a:r>
             <a:r>
+              <a:rPr lang="ru-RU" sz="2800" dirty="0"/>
+              <a:t>. </a:t>
+            </a:r>
+            <a:r>
               <a:rPr lang="ru-RU" sz="2800"/>
-              <a:t>.</a:t>
+              <a:t>(новое)</a:t>
             </a:r>
             <a:endParaRPr lang="en-US" sz="2800" dirty="0"/>
           </a:p>
@@ -7146,7 +4953,7 @@
             </a:pPr>
             <a:r>
               <a:rPr lang="ru-RU" sz="2800" dirty="0"/>
-              <a:t>Продолжить разработку приложения.</a:t>
+              <a:t>Доработка приложения.</a:t>
             </a:r>
             <a:endParaRPr lang="en-US" sz="2800" dirty="0"/>
           </a:p>
@@ -7517,7 +5324,7 @@
         <p:spPr>
           <a:xfrm>
             <a:off x="1620864" y="206513"/>
-            <a:ext cx="8950271" cy="707886"/>
+            <a:ext cx="9781589" cy="707886"/>
           </a:xfrm>
           <a:prstGeom prst="rect">
             <a:avLst/>
@@ -7538,7 +5345,368 @@
               <a:rPr lang="en-US" sz="4000" dirty="0"/>
               <a:t>OAuth</a:t>
             </a:r>
-            <a:endParaRPr lang="ru-RU" sz="4000" dirty="0"/>
+            <a:r>
+              <a:rPr lang="ru-RU" sz="4000" dirty="0"/>
+              <a:t> 2.0</a:t>
+            </a:r>
+          </a:p>
+        </p:txBody>
+      </p:sp>
+      <mc:AlternateContent xmlns:mc="http://schemas.openxmlformats.org/markup-compatibility/2006">
+        <mc:Choice xmlns:p14="http://schemas.microsoft.com/office/powerpoint/2010/main" Requires="p14">
+          <p:contentPart p14:bwMode="auto" r:id="rId3">
+            <p14:nvContentPartPr>
+              <p14:cNvPr id="2" name="Рукописный ввод 1">
+                <a:extLst>
+                  <a:ext uri="{FF2B5EF4-FFF2-40B4-BE49-F238E27FC236}">
+                    <a16:creationId xmlns:a16="http://schemas.microsoft.com/office/drawing/2014/main" id="{4BCF84B0-A2FA-4AB5-98F2-9810A4268DF5}"/>
+                  </a:ext>
+                </a:extLst>
+              </p14:cNvPr>
+              <p14:cNvContentPartPr/>
+              <p14:nvPr/>
+            </p14:nvContentPartPr>
+            <p14:xfrm>
+              <a:off x="4699425" y="4755780"/>
+              <a:ext cx="262800" cy="26640"/>
+            </p14:xfrm>
+          </p:contentPart>
+        </mc:Choice>
+        <mc:Fallback>
+          <p:pic>
+            <p:nvPicPr>
+              <p:cNvPr id="2" name="Рукописный ввод 1">
+                <a:extLst>
+                  <a:ext uri="{FF2B5EF4-FFF2-40B4-BE49-F238E27FC236}">
+                    <a16:creationId xmlns:a16="http://schemas.microsoft.com/office/drawing/2014/main" id="{4BCF84B0-A2FA-4AB5-98F2-9810A4268DF5}"/>
+                  </a:ext>
+                </a:extLst>
+              </p:cNvPr>
+              <p:cNvPicPr/>
+              <p:nvPr/>
+            </p:nvPicPr>
+            <p:blipFill>
+              <a:blip r:embed="rId4"/>
+              <a:stretch>
+                <a:fillRect/>
+              </a:stretch>
+            </p:blipFill>
+            <p:spPr>
+              <a:xfrm>
+                <a:off x="4636425" y="4693140"/>
+                <a:ext cx="388440" cy="152280"/>
+              </a:xfrm>
+              <a:prstGeom prst="rect">
+                <a:avLst/>
+              </a:prstGeom>
+            </p:spPr>
+          </p:pic>
+        </mc:Fallback>
+      </mc:AlternateContent>
+      <mc:AlternateContent xmlns:mc="http://schemas.openxmlformats.org/markup-compatibility/2006">
+        <mc:Choice xmlns:p14="http://schemas.microsoft.com/office/powerpoint/2010/main" Requires="p14">
+          <p:contentPart p14:bwMode="auto" r:id="rId5">
+            <p14:nvContentPartPr>
+              <p14:cNvPr id="3" name="Рукописный ввод 2">
+                <a:extLst>
+                  <a:ext uri="{FF2B5EF4-FFF2-40B4-BE49-F238E27FC236}">
+                    <a16:creationId xmlns:a16="http://schemas.microsoft.com/office/drawing/2014/main" id="{774BE48B-52AB-4197-9871-99FA5EAA4EC0}"/>
+                  </a:ext>
+                </a:extLst>
+              </p14:cNvPr>
+              <p14:cNvContentPartPr/>
+              <p14:nvPr/>
+            </p14:nvContentPartPr>
+            <p14:xfrm>
+              <a:off x="4916505" y="4710420"/>
+              <a:ext cx="830880" cy="118440"/>
+            </p14:xfrm>
+          </p:contentPart>
+        </mc:Choice>
+        <mc:Fallback>
+          <p:pic>
+            <p:nvPicPr>
+              <p:cNvPr id="3" name="Рукописный ввод 2">
+                <a:extLst>
+                  <a:ext uri="{FF2B5EF4-FFF2-40B4-BE49-F238E27FC236}">
+                    <a16:creationId xmlns:a16="http://schemas.microsoft.com/office/drawing/2014/main" id="{774BE48B-52AB-4197-9871-99FA5EAA4EC0}"/>
+                  </a:ext>
+                </a:extLst>
+              </p:cNvPr>
+              <p:cNvPicPr/>
+              <p:nvPr/>
+            </p:nvPicPr>
+            <p:blipFill>
+              <a:blip r:embed="rId6"/>
+              <a:stretch>
+                <a:fillRect/>
+              </a:stretch>
+            </p:blipFill>
+            <p:spPr>
+              <a:xfrm>
+                <a:off x="4853505" y="4647420"/>
+                <a:ext cx="956520" cy="244080"/>
+              </a:xfrm>
+              <a:prstGeom prst="rect">
+                <a:avLst/>
+              </a:prstGeom>
+            </p:spPr>
+          </p:pic>
+        </mc:Fallback>
+      </mc:AlternateContent>
+      <p:sp>
+        <p:nvSpPr>
+          <p:cNvPr id="4" name="TextBox 3">
+            <a:extLst>
+              <a:ext uri="{FF2B5EF4-FFF2-40B4-BE49-F238E27FC236}">
+                <a16:creationId xmlns:a16="http://schemas.microsoft.com/office/drawing/2014/main" id="{E89D0A2B-0C94-4020-B711-D78814B2102B}"/>
+              </a:ext>
+            </a:extLst>
+          </p:cNvPr>
+          <p:cNvSpPr txBox="1"/>
+          <p:nvPr/>
+        </p:nvSpPr>
+        <p:spPr>
+          <a:xfrm>
+            <a:off x="4545120" y="4583430"/>
+            <a:ext cx="1372042" cy="307777"/>
+          </a:xfrm>
+          <a:prstGeom prst="rect">
+            <a:avLst/>
+          </a:prstGeom>
+          <a:noFill/>
+        </p:spPr>
+        <p:txBody>
+          <a:bodyPr wrap="none" rtlCol="0">
+            <a:spAutoFit/>
+          </a:bodyPr>
+          <a:lstStyle/>
+          <a:p>
+            <a:r>
+              <a:rPr lang="ru-RU" sz="1400" dirty="0">
+                <a:solidFill>
+                  <a:srgbClr val="6880A6"/>
+                </a:solidFill>
+                <a:latin typeface="Arial" panose="020B0604020202020204" pitchFamily="34" charset="0"/>
+                <a:cs typeface="Arial" panose="020B0604020202020204" pitchFamily="34" charset="0"/>
+              </a:rPr>
+              <a:t>Токен доступа</a:t>
+            </a:r>
+          </a:p>
+        </p:txBody>
+      </p:sp>
+      <mc:AlternateContent xmlns:mc="http://schemas.openxmlformats.org/markup-compatibility/2006">
+        <mc:Choice xmlns:p14="http://schemas.microsoft.com/office/powerpoint/2010/main" Requires="p14">
+          <p:contentPart p14:bwMode="auto" r:id="rId7">
+            <p14:nvContentPartPr>
+              <p14:cNvPr id="5" name="Рукописный ввод 4">
+                <a:extLst>
+                  <a:ext uri="{FF2B5EF4-FFF2-40B4-BE49-F238E27FC236}">
+                    <a16:creationId xmlns:a16="http://schemas.microsoft.com/office/drawing/2014/main" id="{335DAB45-4313-4915-A7E8-63B5D5D958BB}"/>
+                  </a:ext>
+                </a:extLst>
+              </p14:cNvPr>
+              <p14:cNvContentPartPr/>
+              <p14:nvPr/>
+            </p14:nvContentPartPr>
+            <p14:xfrm>
+              <a:off x="4742544" y="3663408"/>
+              <a:ext cx="360" cy="360"/>
+            </p14:xfrm>
+          </p:contentPart>
+        </mc:Choice>
+        <mc:Fallback>
+          <p:pic>
+            <p:nvPicPr>
+              <p:cNvPr id="5" name="Рукописный ввод 4">
+                <a:extLst>
+                  <a:ext uri="{FF2B5EF4-FFF2-40B4-BE49-F238E27FC236}">
+                    <a16:creationId xmlns:a16="http://schemas.microsoft.com/office/drawing/2014/main" id="{335DAB45-4313-4915-A7E8-63B5D5D958BB}"/>
+                  </a:ext>
+                </a:extLst>
+              </p:cNvPr>
+              <p:cNvPicPr/>
+              <p:nvPr/>
+            </p:nvPicPr>
+            <p:blipFill>
+              <a:blip r:embed="rId8"/>
+              <a:stretch>
+                <a:fillRect/>
+              </a:stretch>
+            </p:blipFill>
+            <p:spPr>
+              <a:xfrm>
+                <a:off x="4679544" y="3600408"/>
+                <a:ext cx="126000" cy="126000"/>
+              </a:xfrm>
+              <a:prstGeom prst="rect">
+                <a:avLst/>
+              </a:prstGeom>
+            </p:spPr>
+          </p:pic>
+        </mc:Fallback>
+      </mc:AlternateContent>
+      <p:grpSp>
+        <p:nvGrpSpPr>
+          <p:cNvPr id="10" name="Группа 9">
+            <a:extLst>
+              <a:ext uri="{FF2B5EF4-FFF2-40B4-BE49-F238E27FC236}">
+                <a16:creationId xmlns:a16="http://schemas.microsoft.com/office/drawing/2014/main" id="{D44C90BF-7417-4C04-93E2-0EDA187DAE8E}"/>
+              </a:ext>
+            </a:extLst>
+          </p:cNvPr>
+          <p:cNvGrpSpPr/>
+          <p:nvPr/>
+        </p:nvGrpSpPr>
+        <p:grpSpPr>
+          <a:xfrm>
+            <a:off x="4699704" y="3698688"/>
+            <a:ext cx="1067040" cy="62640"/>
+            <a:chOff x="4699704" y="3698688"/>
+            <a:chExt cx="1067040" cy="62640"/>
+          </a:xfrm>
+        </p:grpSpPr>
+        <mc:AlternateContent xmlns:mc="http://schemas.openxmlformats.org/markup-compatibility/2006">
+          <mc:Choice xmlns:p14="http://schemas.microsoft.com/office/powerpoint/2010/main" Requires="p14">
+            <p:contentPart p14:bwMode="auto" r:id="rId9">
+              <p14:nvContentPartPr>
+                <p14:cNvPr id="8" name="Рукописный ввод 7">
+                  <a:extLst>
+                    <a:ext uri="{FF2B5EF4-FFF2-40B4-BE49-F238E27FC236}">
+                      <a16:creationId xmlns:a16="http://schemas.microsoft.com/office/drawing/2014/main" id="{BE911731-5ED3-46F1-AF1D-306395908E87}"/>
+                    </a:ext>
+                  </a:extLst>
+                </p14:cNvPr>
+                <p14:cNvContentPartPr/>
+                <p14:nvPr/>
+              </p14:nvContentPartPr>
+              <p14:xfrm>
+                <a:off x="4699704" y="3698688"/>
+                <a:ext cx="1067040" cy="32760"/>
+              </p14:xfrm>
+            </p:contentPart>
+          </mc:Choice>
+          <mc:Fallback>
+            <p:pic>
+              <p:nvPicPr>
+                <p:cNvPr id="8" name="Рукописный ввод 7">
+                  <a:extLst>
+                    <a:ext uri="{FF2B5EF4-FFF2-40B4-BE49-F238E27FC236}">
+                      <a16:creationId xmlns:a16="http://schemas.microsoft.com/office/drawing/2014/main" id="{BE911731-5ED3-46F1-AF1D-306395908E87}"/>
+                    </a:ext>
+                  </a:extLst>
+                </p:cNvPr>
+                <p:cNvPicPr/>
+                <p:nvPr/>
+              </p:nvPicPr>
+              <p:blipFill>
+                <a:blip r:embed="rId10"/>
+                <a:stretch>
+                  <a:fillRect/>
+                </a:stretch>
+              </p:blipFill>
+              <p:spPr>
+                <a:xfrm>
+                  <a:off x="4636704" y="3636048"/>
+                  <a:ext cx="1192680" cy="158400"/>
+                </a:xfrm>
+                <a:prstGeom prst="rect">
+                  <a:avLst/>
+                </a:prstGeom>
+              </p:spPr>
+            </p:pic>
+          </mc:Fallback>
+        </mc:AlternateContent>
+        <mc:AlternateContent xmlns:mc="http://schemas.openxmlformats.org/markup-compatibility/2006">
+          <mc:Choice xmlns:p14="http://schemas.microsoft.com/office/powerpoint/2010/main" Requires="p14">
+            <p:contentPart p14:bwMode="auto" r:id="rId11">
+              <p14:nvContentPartPr>
+                <p14:cNvPr id="9" name="Рукописный ввод 8">
+                  <a:extLst>
+                    <a:ext uri="{FF2B5EF4-FFF2-40B4-BE49-F238E27FC236}">
+                      <a16:creationId xmlns:a16="http://schemas.microsoft.com/office/drawing/2014/main" id="{880BC17B-760D-4A48-9D20-8FCB2B3155C1}"/>
+                    </a:ext>
+                  </a:extLst>
+                </p14:cNvPr>
+                <p14:cNvContentPartPr/>
+                <p14:nvPr/>
+              </p14:nvContentPartPr>
+              <p14:xfrm>
+                <a:off x="5522664" y="3760968"/>
+                <a:ext cx="360" cy="360"/>
+              </p14:xfrm>
+            </p:contentPart>
+          </mc:Choice>
+          <mc:Fallback>
+            <p:pic>
+              <p:nvPicPr>
+                <p:cNvPr id="9" name="Рукописный ввод 8">
+                  <a:extLst>
+                    <a:ext uri="{FF2B5EF4-FFF2-40B4-BE49-F238E27FC236}">
+                      <a16:creationId xmlns:a16="http://schemas.microsoft.com/office/drawing/2014/main" id="{880BC17B-760D-4A48-9D20-8FCB2B3155C1}"/>
+                    </a:ext>
+                  </a:extLst>
+                </p:cNvPr>
+                <p:cNvPicPr/>
+                <p:nvPr/>
+              </p:nvPicPr>
+              <p:blipFill>
+                <a:blip r:embed="rId8"/>
+                <a:stretch>
+                  <a:fillRect/>
+                </a:stretch>
+              </p:blipFill>
+              <p:spPr>
+                <a:xfrm>
+                  <a:off x="5460024" y="3697968"/>
+                  <a:ext cx="126000" cy="126000"/>
+                </a:xfrm>
+                <a:prstGeom prst="rect">
+                  <a:avLst/>
+                </a:prstGeom>
+              </p:spPr>
+            </p:pic>
+          </mc:Fallback>
+        </mc:AlternateContent>
+      </p:grpSp>
+      <p:sp>
+        <p:nvSpPr>
+          <p:cNvPr id="7" name="TextBox 6">
+            <a:extLst>
+              <a:ext uri="{FF2B5EF4-FFF2-40B4-BE49-F238E27FC236}">
+                <a16:creationId xmlns:a16="http://schemas.microsoft.com/office/drawing/2014/main" id="{98D639A6-257D-4CC1-B63F-D83A22E3F324}"/>
+              </a:ext>
+            </a:extLst>
+          </p:cNvPr>
+          <p:cNvSpPr txBox="1"/>
+          <p:nvPr/>
+        </p:nvSpPr>
+        <p:spPr>
+          <a:xfrm>
+            <a:off x="4545120" y="3544799"/>
+            <a:ext cx="1372042" cy="307777"/>
+          </a:xfrm>
+          <a:prstGeom prst="rect">
+            <a:avLst/>
+          </a:prstGeom>
+          <a:noFill/>
+        </p:spPr>
+        <p:txBody>
+          <a:bodyPr wrap="none" rtlCol="0">
+            <a:spAutoFit/>
+          </a:bodyPr>
+          <a:lstStyle/>
+          <a:p>
+            <a:r>
+              <a:rPr lang="ru-RU" sz="1400" dirty="0">
+                <a:solidFill>
+                  <a:srgbClr val="6880A6"/>
+                </a:solidFill>
+                <a:latin typeface="Arial" panose="020B0604020202020204" pitchFamily="34" charset="0"/>
+                <a:cs typeface="Arial" panose="020B0604020202020204" pitchFamily="34" charset="0"/>
+              </a:rPr>
+              <a:t>Токен доступа</a:t>
+            </a:r>
           </a:p>
         </p:txBody>
       </p:sp>
@@ -7693,656 +5861,6 @@
     <p:extLst>
       <p:ext uri="{BB962C8B-B14F-4D97-AF65-F5344CB8AC3E}">
         <p14:creationId xmlns:p14="http://schemas.microsoft.com/office/powerpoint/2010/main" val="1349997469"/>
-      </p:ext>
-    </p:extLst>
-  </p:cSld>
-  <p:clrMapOvr>
-    <a:masterClrMapping/>
-  </p:clrMapOvr>
-</p:sld>
-</file>
-
-<file path=ppt/slides/slide9.xml><?xml version="1.0" encoding="utf-8"?>
-<p:sld xmlns:a="http://schemas.openxmlformats.org/drawingml/2006/main" xmlns:r="http://schemas.openxmlformats.org/officeDocument/2006/relationships" xmlns:p="http://schemas.openxmlformats.org/presentationml/2006/main">
-  <p:cSld>
-    <p:spTree>
-      <p:nvGrpSpPr>
-        <p:cNvPr id="1" name=""/>
-        <p:cNvGrpSpPr/>
-        <p:nvPr/>
-      </p:nvGrpSpPr>
-      <p:grpSpPr>
-        <a:xfrm>
-          <a:off x="0" y="0"/>
-          <a:ext cx="0" cy="0"/>
-          <a:chOff x="0" y="0"/>
-          <a:chExt cx="0" cy="0"/>
-        </a:xfrm>
-      </p:grpSpPr>
-      <p:sp>
-        <p:nvSpPr>
-          <p:cNvPr id="2" name="Заголовок 1">
-            <a:extLst>
-              <a:ext uri="{FF2B5EF4-FFF2-40B4-BE49-F238E27FC236}">
-                <a16:creationId xmlns:a16="http://schemas.microsoft.com/office/drawing/2014/main" id="{720F1C82-7104-431F-9CDF-E6A9197B746C}"/>
-              </a:ext>
-            </a:extLst>
-          </p:cNvPr>
-          <p:cNvSpPr>
-            <a:spLocks noGrp="1"/>
-          </p:cNvSpPr>
-          <p:nvPr>
-            <p:ph type="title"/>
-          </p:nvPr>
-        </p:nvSpPr>
-        <p:spPr/>
-        <p:txBody>
-          <a:bodyPr/>
-          <a:lstStyle/>
-          <a:p>
-            <a:r>
-              <a:rPr lang="ru-RU" dirty="0"/>
-              <a:t>Режимы Работы Программы</a:t>
-            </a:r>
-          </a:p>
-        </p:txBody>
-      </p:sp>
-      <p:sp>
-        <p:nvSpPr>
-          <p:cNvPr id="5" name="Прямоугольник: скругленные углы 4">
-            <a:extLst>
-              <a:ext uri="{FF2B5EF4-FFF2-40B4-BE49-F238E27FC236}">
-                <a16:creationId xmlns:a16="http://schemas.microsoft.com/office/drawing/2014/main" id="{B101096E-1C92-47AB-88FD-1CB897D210D9}"/>
-              </a:ext>
-            </a:extLst>
-          </p:cNvPr>
-          <p:cNvSpPr/>
-          <p:nvPr/>
-        </p:nvSpPr>
-        <p:spPr>
-          <a:xfrm>
-            <a:off x="1097280" y="2832855"/>
-            <a:ext cx="2540000" cy="999066"/>
-          </a:xfrm>
-          <a:prstGeom prst="roundRect">
-            <a:avLst/>
-          </a:prstGeom>
-        </p:spPr>
-        <p:style>
-          <a:lnRef idx="2">
-            <a:schemeClr val="accent1">
-              <a:shade val="50000"/>
-            </a:schemeClr>
-          </a:lnRef>
-          <a:fillRef idx="1">
-            <a:schemeClr val="accent1"/>
-          </a:fillRef>
-          <a:effectRef idx="0">
-            <a:schemeClr val="accent1"/>
-          </a:effectRef>
-          <a:fontRef idx="minor">
-            <a:schemeClr val="lt1"/>
-          </a:fontRef>
-        </p:style>
-        <p:txBody>
-          <a:bodyPr rtlCol="0" anchor="ctr"/>
-          <a:lstStyle/>
-          <a:p>
-            <a:pPr algn="ctr"/>
-            <a:r>
-              <a:rPr lang="ru-RU" sz="2800" dirty="0"/>
-              <a:t>Ввод данных</a:t>
-            </a:r>
-          </a:p>
-        </p:txBody>
-      </p:sp>
-      <p:sp>
-        <p:nvSpPr>
-          <p:cNvPr id="6" name="Прямоугольник: скругленные углы 5">
-            <a:extLst>
-              <a:ext uri="{FF2B5EF4-FFF2-40B4-BE49-F238E27FC236}">
-                <a16:creationId xmlns:a16="http://schemas.microsoft.com/office/drawing/2014/main" id="{D59B27DC-84C2-45C4-89A9-966E7CA0A73F}"/>
-              </a:ext>
-            </a:extLst>
-          </p:cNvPr>
-          <p:cNvSpPr/>
-          <p:nvPr/>
-        </p:nvSpPr>
-        <p:spPr>
-          <a:xfrm>
-            <a:off x="8615680" y="2832856"/>
-            <a:ext cx="2540000" cy="999066"/>
-          </a:xfrm>
-          <a:prstGeom prst="roundRect">
-            <a:avLst/>
-          </a:prstGeom>
-        </p:spPr>
-        <p:style>
-          <a:lnRef idx="2">
-            <a:schemeClr val="accent1">
-              <a:shade val="50000"/>
-            </a:schemeClr>
-          </a:lnRef>
-          <a:fillRef idx="1">
-            <a:schemeClr val="accent1"/>
-          </a:fillRef>
-          <a:effectRef idx="0">
-            <a:schemeClr val="accent1"/>
-          </a:effectRef>
-          <a:fontRef idx="minor">
-            <a:schemeClr val="lt1"/>
-          </a:fontRef>
-        </p:style>
-        <p:txBody>
-          <a:bodyPr rtlCol="0" anchor="ctr"/>
-          <a:lstStyle/>
-          <a:p>
-            <a:pPr algn="ctr"/>
-            <a:r>
-              <a:rPr lang="ru-RU" sz="2800" dirty="0"/>
-              <a:t>Турнир</a:t>
-            </a:r>
-          </a:p>
-        </p:txBody>
-      </p:sp>
-      <p:sp>
-        <p:nvSpPr>
-          <p:cNvPr id="8" name="Прямоугольник: скругленные углы 7">
-            <a:extLst>
-              <a:ext uri="{FF2B5EF4-FFF2-40B4-BE49-F238E27FC236}">
-                <a16:creationId xmlns:a16="http://schemas.microsoft.com/office/drawing/2014/main" id="{465FA461-061A-415C-BF76-B09D5C2E3D57}"/>
-              </a:ext>
-            </a:extLst>
-          </p:cNvPr>
-          <p:cNvSpPr/>
-          <p:nvPr/>
-        </p:nvSpPr>
-        <p:spPr>
-          <a:xfrm>
-            <a:off x="4856480" y="2832856"/>
-            <a:ext cx="2540000" cy="999066"/>
-          </a:xfrm>
-          <a:prstGeom prst="roundRect">
-            <a:avLst/>
-          </a:prstGeom>
-        </p:spPr>
-        <p:style>
-          <a:lnRef idx="2">
-            <a:schemeClr val="accent1">
-              <a:shade val="50000"/>
-            </a:schemeClr>
-          </a:lnRef>
-          <a:fillRef idx="1">
-            <a:schemeClr val="accent1"/>
-          </a:fillRef>
-          <a:effectRef idx="0">
-            <a:schemeClr val="accent1"/>
-          </a:effectRef>
-          <a:fontRef idx="minor">
-            <a:schemeClr val="lt1"/>
-          </a:fontRef>
-        </p:style>
-        <p:txBody>
-          <a:bodyPr rtlCol="0" anchor="ctr"/>
-          <a:lstStyle/>
-          <a:p>
-            <a:pPr algn="ctr"/>
-            <a:r>
-              <a:rPr lang="ru-RU" sz="2800" dirty="0"/>
-              <a:t>Обработка данных</a:t>
-            </a:r>
-          </a:p>
-        </p:txBody>
-      </p:sp>
-      <p:sp>
-        <p:nvSpPr>
-          <p:cNvPr id="9" name="Стрелка: вправо 8">
-            <a:extLst>
-              <a:ext uri="{FF2B5EF4-FFF2-40B4-BE49-F238E27FC236}">
-                <a16:creationId xmlns:a16="http://schemas.microsoft.com/office/drawing/2014/main" id="{B4774681-8C83-47FF-A618-C305B8F5567E}"/>
-              </a:ext>
-            </a:extLst>
-          </p:cNvPr>
-          <p:cNvSpPr/>
-          <p:nvPr/>
-        </p:nvSpPr>
-        <p:spPr>
-          <a:xfrm>
-            <a:off x="3637280" y="3130882"/>
-            <a:ext cx="1219200" cy="403013"/>
-          </a:xfrm>
-          <a:prstGeom prst="rightArrow">
-            <a:avLst/>
-          </a:prstGeom>
-        </p:spPr>
-        <p:style>
-          <a:lnRef idx="2">
-            <a:schemeClr val="dk1">
-              <a:shade val="50000"/>
-            </a:schemeClr>
-          </a:lnRef>
-          <a:fillRef idx="1">
-            <a:schemeClr val="dk1"/>
-          </a:fillRef>
-          <a:effectRef idx="0">
-            <a:schemeClr val="dk1"/>
-          </a:effectRef>
-          <a:fontRef idx="minor">
-            <a:schemeClr val="lt1"/>
-          </a:fontRef>
-        </p:style>
-        <p:txBody>
-          <a:bodyPr rtlCol="0" anchor="ctr"/>
-          <a:lstStyle/>
-          <a:p>
-            <a:pPr algn="ctr"/>
-            <a:endParaRPr lang="ru-RU"/>
-          </a:p>
-        </p:txBody>
-      </p:sp>
-      <p:sp>
-        <p:nvSpPr>
-          <p:cNvPr id="10" name="Стрелка: вправо 9">
-            <a:extLst>
-              <a:ext uri="{FF2B5EF4-FFF2-40B4-BE49-F238E27FC236}">
-                <a16:creationId xmlns:a16="http://schemas.microsoft.com/office/drawing/2014/main" id="{08764990-852C-489F-8E68-BE35525EF1DD}"/>
-              </a:ext>
-            </a:extLst>
-          </p:cNvPr>
-          <p:cNvSpPr/>
-          <p:nvPr/>
-        </p:nvSpPr>
-        <p:spPr>
-          <a:xfrm>
-            <a:off x="7406640" y="3130882"/>
-            <a:ext cx="1209040" cy="403013"/>
-          </a:xfrm>
-          <a:prstGeom prst="rightArrow">
-            <a:avLst/>
-          </a:prstGeom>
-        </p:spPr>
-        <p:style>
-          <a:lnRef idx="2">
-            <a:schemeClr val="dk1">
-              <a:shade val="50000"/>
-            </a:schemeClr>
-          </a:lnRef>
-          <a:fillRef idx="1">
-            <a:schemeClr val="dk1"/>
-          </a:fillRef>
-          <a:effectRef idx="0">
-            <a:schemeClr val="dk1"/>
-          </a:effectRef>
-          <a:fontRef idx="minor">
-            <a:schemeClr val="lt1"/>
-          </a:fontRef>
-        </p:style>
-        <p:txBody>
-          <a:bodyPr rtlCol="0" anchor="ctr"/>
-          <a:lstStyle/>
-          <a:p>
-            <a:pPr algn="ctr"/>
-            <a:endParaRPr lang="ru-RU"/>
-          </a:p>
-        </p:txBody>
-      </p:sp>
-      <p:sp>
-        <p:nvSpPr>
-          <p:cNvPr id="11" name="TextBox 10">
-            <a:extLst>
-              <a:ext uri="{FF2B5EF4-FFF2-40B4-BE49-F238E27FC236}">
-                <a16:creationId xmlns:a16="http://schemas.microsoft.com/office/drawing/2014/main" id="{DE01FDBE-681F-4C85-8268-8321EFEFA093}"/>
-              </a:ext>
-            </a:extLst>
-          </p:cNvPr>
-          <p:cNvSpPr txBox="1"/>
-          <p:nvPr/>
-        </p:nvSpPr>
-        <p:spPr>
-          <a:xfrm>
-            <a:off x="1097280" y="4058828"/>
-            <a:ext cx="1569917" cy="646331"/>
-          </a:xfrm>
-          <a:prstGeom prst="rect">
-            <a:avLst/>
-          </a:prstGeom>
-          <a:noFill/>
-        </p:spPr>
-        <p:txBody>
-          <a:bodyPr wrap="square" rtlCol="0">
-            <a:spAutoFit/>
-          </a:bodyPr>
-          <a:lstStyle/>
-          <a:p>
-            <a:r>
-              <a:rPr lang="ru-RU" sz="3600" dirty="0"/>
-              <a:t>Турнир</a:t>
-            </a:r>
-          </a:p>
-        </p:txBody>
-      </p:sp>
-      <p:sp>
-        <p:nvSpPr>
-          <p:cNvPr id="12" name="TextBox 11">
-            <a:extLst>
-              <a:ext uri="{FF2B5EF4-FFF2-40B4-BE49-F238E27FC236}">
-                <a16:creationId xmlns:a16="http://schemas.microsoft.com/office/drawing/2014/main" id="{271B15D5-BBD0-4756-AF5C-BCED5B58959A}"/>
-              </a:ext>
-            </a:extLst>
-          </p:cNvPr>
-          <p:cNvSpPr txBox="1"/>
-          <p:nvPr/>
-        </p:nvSpPr>
-        <p:spPr>
-          <a:xfrm>
-            <a:off x="1097280" y="1959617"/>
-            <a:ext cx="2424382" cy="646331"/>
-          </a:xfrm>
-          <a:prstGeom prst="rect">
-            <a:avLst/>
-          </a:prstGeom>
-          <a:noFill/>
-        </p:spPr>
-        <p:txBody>
-          <a:bodyPr wrap="none" rtlCol="0">
-            <a:spAutoFit/>
-          </a:bodyPr>
-          <a:lstStyle/>
-          <a:p>
-            <a:r>
-              <a:rPr lang="ru-RU" sz="3600" dirty="0"/>
-              <a:t>Подготовка</a:t>
-            </a:r>
-          </a:p>
-        </p:txBody>
-      </p:sp>
-      <p:sp>
-        <p:nvSpPr>
-          <p:cNvPr id="13" name="Прямоугольник: скругленные углы 12">
-            <a:extLst>
-              <a:ext uri="{FF2B5EF4-FFF2-40B4-BE49-F238E27FC236}">
-                <a16:creationId xmlns:a16="http://schemas.microsoft.com/office/drawing/2014/main" id="{E709BE71-6D52-45F3-8B2E-08BC731631DC}"/>
-              </a:ext>
-            </a:extLst>
-          </p:cNvPr>
-          <p:cNvSpPr/>
-          <p:nvPr/>
-        </p:nvSpPr>
-        <p:spPr>
-          <a:xfrm>
-            <a:off x="1097280" y="4927416"/>
-            <a:ext cx="2540000" cy="999066"/>
-          </a:xfrm>
-          <a:prstGeom prst="roundRect">
-            <a:avLst/>
-          </a:prstGeom>
-        </p:spPr>
-        <p:style>
-          <a:lnRef idx="2">
-            <a:schemeClr val="accent1">
-              <a:shade val="50000"/>
-            </a:schemeClr>
-          </a:lnRef>
-          <a:fillRef idx="1">
-            <a:schemeClr val="accent1"/>
-          </a:fillRef>
-          <a:effectRef idx="0">
-            <a:schemeClr val="accent1"/>
-          </a:effectRef>
-          <a:fontRef idx="minor">
-            <a:schemeClr val="lt1"/>
-          </a:fontRef>
-        </p:style>
-        <p:txBody>
-          <a:bodyPr rtlCol="0" anchor="ctr"/>
-          <a:lstStyle/>
-          <a:p>
-            <a:pPr algn="ctr"/>
-            <a:r>
-              <a:rPr lang="ru-RU" sz="2800" dirty="0"/>
-              <a:t>Ход бота</a:t>
-            </a:r>
-          </a:p>
-        </p:txBody>
-      </p:sp>
-      <p:sp>
-        <p:nvSpPr>
-          <p:cNvPr id="14" name="Прямоугольник: скругленные углы 13">
-            <a:extLst>
-              <a:ext uri="{FF2B5EF4-FFF2-40B4-BE49-F238E27FC236}">
-                <a16:creationId xmlns:a16="http://schemas.microsoft.com/office/drawing/2014/main" id="{73B7EE2F-83F9-4284-BBF7-E85444AF1957}"/>
-              </a:ext>
-            </a:extLst>
-          </p:cNvPr>
-          <p:cNvSpPr/>
-          <p:nvPr/>
-        </p:nvSpPr>
-        <p:spPr>
-          <a:xfrm>
-            <a:off x="4856480" y="4927416"/>
-            <a:ext cx="2540000" cy="999066"/>
-          </a:xfrm>
-          <a:prstGeom prst="roundRect">
-            <a:avLst/>
-          </a:prstGeom>
-        </p:spPr>
-        <p:style>
-          <a:lnRef idx="2">
-            <a:schemeClr val="accent1">
-              <a:shade val="50000"/>
-            </a:schemeClr>
-          </a:lnRef>
-          <a:fillRef idx="1">
-            <a:schemeClr val="accent1"/>
-          </a:fillRef>
-          <a:effectRef idx="0">
-            <a:schemeClr val="accent1"/>
-          </a:effectRef>
-          <a:fontRef idx="minor">
-            <a:schemeClr val="lt1"/>
-          </a:fontRef>
-        </p:style>
-        <p:txBody>
-          <a:bodyPr rtlCol="0" anchor="ctr"/>
-          <a:lstStyle/>
-          <a:p>
-            <a:pPr algn="ctr"/>
-            <a:r>
-              <a:rPr lang="ru-RU" sz="2800" dirty="0"/>
-              <a:t>Изменение поля</a:t>
-            </a:r>
-          </a:p>
-        </p:txBody>
-      </p:sp>
-      <p:sp>
-        <p:nvSpPr>
-          <p:cNvPr id="15" name="Прямоугольник: скругленные углы 14">
-            <a:extLst>
-              <a:ext uri="{FF2B5EF4-FFF2-40B4-BE49-F238E27FC236}">
-                <a16:creationId xmlns:a16="http://schemas.microsoft.com/office/drawing/2014/main" id="{69B75131-4AC6-47E5-993C-FB20996B190A}"/>
-              </a:ext>
-            </a:extLst>
-          </p:cNvPr>
-          <p:cNvSpPr/>
-          <p:nvPr/>
-        </p:nvSpPr>
-        <p:spPr>
-          <a:xfrm>
-            <a:off x="8615680" y="4957712"/>
-            <a:ext cx="2540000" cy="999066"/>
-          </a:xfrm>
-          <a:prstGeom prst="roundRect">
-            <a:avLst/>
-          </a:prstGeom>
-        </p:spPr>
-        <p:style>
-          <a:lnRef idx="2">
-            <a:schemeClr val="accent1">
-              <a:shade val="50000"/>
-            </a:schemeClr>
-          </a:lnRef>
-          <a:fillRef idx="1">
-            <a:schemeClr val="accent1"/>
-          </a:fillRef>
-          <a:effectRef idx="0">
-            <a:schemeClr val="accent1"/>
-          </a:effectRef>
-          <a:fontRef idx="minor">
-            <a:schemeClr val="lt1"/>
-          </a:fontRef>
-        </p:style>
-        <p:txBody>
-          <a:bodyPr rtlCol="0" anchor="ctr"/>
-          <a:lstStyle/>
-          <a:p>
-            <a:pPr algn="ctr"/>
-            <a:r>
-              <a:rPr lang="ru-RU" sz="2800" dirty="0"/>
-              <a:t>Вывод результата</a:t>
-            </a:r>
-          </a:p>
-        </p:txBody>
-      </p:sp>
-      <p:sp>
-        <p:nvSpPr>
-          <p:cNvPr id="16" name="Стрелка: вправо 15">
-            <a:extLst>
-              <a:ext uri="{FF2B5EF4-FFF2-40B4-BE49-F238E27FC236}">
-                <a16:creationId xmlns:a16="http://schemas.microsoft.com/office/drawing/2014/main" id="{D8BF6D5E-5407-473F-9D1B-7112F957E170}"/>
-              </a:ext>
-            </a:extLst>
-          </p:cNvPr>
-          <p:cNvSpPr/>
-          <p:nvPr/>
-        </p:nvSpPr>
-        <p:spPr>
-          <a:xfrm>
-            <a:off x="7406640" y="5225443"/>
-            <a:ext cx="1219200" cy="403013"/>
-          </a:xfrm>
-          <a:prstGeom prst="rightArrow">
-            <a:avLst/>
-          </a:prstGeom>
-        </p:spPr>
-        <p:style>
-          <a:lnRef idx="2">
-            <a:schemeClr val="dk1">
-              <a:shade val="50000"/>
-            </a:schemeClr>
-          </a:lnRef>
-          <a:fillRef idx="1">
-            <a:schemeClr val="dk1"/>
-          </a:fillRef>
-          <a:effectRef idx="0">
-            <a:schemeClr val="dk1"/>
-          </a:effectRef>
-          <a:fontRef idx="minor">
-            <a:schemeClr val="lt1"/>
-          </a:fontRef>
-        </p:style>
-        <p:txBody>
-          <a:bodyPr rtlCol="0" anchor="ctr"/>
-          <a:lstStyle/>
-          <a:p>
-            <a:pPr algn="ctr"/>
-            <a:endParaRPr lang="ru-RU"/>
-          </a:p>
-        </p:txBody>
-      </p:sp>
-      <p:sp>
-        <p:nvSpPr>
-          <p:cNvPr id="17" name="Стрелка: вправо 16">
-            <a:extLst>
-              <a:ext uri="{FF2B5EF4-FFF2-40B4-BE49-F238E27FC236}">
-                <a16:creationId xmlns:a16="http://schemas.microsoft.com/office/drawing/2014/main" id="{5CF16930-B7EB-4E27-BC7A-FF42FDA57C0D}"/>
-              </a:ext>
-            </a:extLst>
-          </p:cNvPr>
-          <p:cNvSpPr/>
-          <p:nvPr/>
-        </p:nvSpPr>
-        <p:spPr>
-          <a:xfrm>
-            <a:off x="3637280" y="5225443"/>
-            <a:ext cx="1219200" cy="403013"/>
-          </a:xfrm>
-          <a:prstGeom prst="rightArrow">
-            <a:avLst/>
-          </a:prstGeom>
-        </p:spPr>
-        <p:style>
-          <a:lnRef idx="2">
-            <a:schemeClr val="dk1">
-              <a:shade val="50000"/>
-            </a:schemeClr>
-          </a:lnRef>
-          <a:fillRef idx="1">
-            <a:schemeClr val="dk1"/>
-          </a:fillRef>
-          <a:effectRef idx="0">
-            <a:schemeClr val="dk1"/>
-          </a:effectRef>
-          <a:fontRef idx="minor">
-            <a:schemeClr val="lt1"/>
-          </a:fontRef>
-        </p:style>
-        <p:txBody>
-          <a:bodyPr rtlCol="0" anchor="ctr"/>
-          <a:lstStyle/>
-          <a:p>
-            <a:pPr algn="ctr"/>
-            <a:endParaRPr lang="ru-RU"/>
-          </a:p>
-        </p:txBody>
-      </p:sp>
-      <p:cxnSp>
-        <p:nvCxnSpPr>
-          <p:cNvPr id="21" name="Соединитель: изогнутый 20">
-            <a:extLst>
-              <a:ext uri="{FF2B5EF4-FFF2-40B4-BE49-F238E27FC236}">
-                <a16:creationId xmlns:a16="http://schemas.microsoft.com/office/drawing/2014/main" id="{DFB2A8F8-4AA9-4CDC-A6AE-65E04CC6306B}"/>
-              </a:ext>
-            </a:extLst>
-          </p:cNvPr>
-          <p:cNvCxnSpPr>
-            <a:stCxn id="15" idx="0"/>
-            <a:endCxn id="13" idx="0"/>
-          </p:cNvCxnSpPr>
-          <p:nvPr/>
-        </p:nvCxnSpPr>
-        <p:spPr>
-          <a:xfrm rot="16200000" flipV="1">
-            <a:off x="6111332" y="1183364"/>
-            <a:ext cx="30296" cy="7518400"/>
-          </a:xfrm>
-          <a:prstGeom prst="curvedConnector3">
-            <a:avLst>
-              <a:gd name="adj1" fmla="val 854555"/>
-            </a:avLst>
-          </a:prstGeom>
-          <a:ln w="57150">
-            <a:tailEnd type="triangle"/>
-          </a:ln>
-        </p:spPr>
-        <p:style>
-          <a:lnRef idx="1">
-            <a:schemeClr val="dk1"/>
-          </a:lnRef>
-          <a:fillRef idx="0">
-            <a:schemeClr val="dk1"/>
-          </a:fillRef>
-          <a:effectRef idx="0">
-            <a:schemeClr val="dk1"/>
-          </a:effectRef>
-          <a:fontRef idx="minor">
-            <a:schemeClr val="tx1"/>
-          </a:fontRef>
-        </p:style>
-      </p:cxnSp>
-    </p:spTree>
-    <p:extLst>
-      <p:ext uri="{BB962C8B-B14F-4D97-AF65-F5344CB8AC3E}">
-        <p14:creationId xmlns:p14="http://schemas.microsoft.com/office/powerpoint/2010/main" val="4017844508"/>
       </p:ext>
     </p:extLst>
   </p:cSld>
